--- a/lectures/lec8/Lec8-Passive Components.pptx
+++ b/lectures/lec8/Lec8-Passive Components.pptx
@@ -327,7 +327,7 @@
             <a:fld id="{F33530C9-BF13-40EE-A1EC-EBBB0134EBBA}" type="datetime1">
               <a:rPr lang="en-US"/>
               <a:pPr/>
-              <a:t>9/22/2015 Tuesday</a:t>
+              <a:t>11/13/2015 Friday</a:t>
             </a:fld>
             <a:endParaRPr lang="en-US"/>
           </a:p>
@@ -545,7 +545,7 @@
             <a:fld id="{7DD20F8F-B3A0-465C-A2C5-4272F8BE0711}" type="datetime1">
               <a:rPr lang="en-US"/>
               <a:pPr/>
-              <a:t>9/22/2015 Tuesday</a:t>
+              <a:t>11/13/2015 Friday</a:t>
             </a:fld>
             <a:endParaRPr lang="en-US"/>
           </a:p>
@@ -944,7 +944,7 @@
             <a:fld id="{7DD20F8F-B3A0-465C-A2C5-4272F8BE0711}" type="datetime1">
               <a:rPr lang="en-US" smtClean="0"/>
               <a:pPr/>
-              <a:t>9/22/2015 Tuesday</a:t>
+              <a:t>11/13/2015 Friday</a:t>
             </a:fld>
             <a:endParaRPr lang="en-US"/>
           </a:p>
@@ -1061,7 +1061,7 @@
             <a:fld id="{7DD20F8F-B3A0-465C-A2C5-4272F8BE0711}" type="datetime1">
               <a:rPr lang="en-US" smtClean="0"/>
               <a:pPr/>
-              <a:t>9/22/2015 Tuesday</a:t>
+              <a:t>11/13/2015 Friday</a:t>
             </a:fld>
             <a:endParaRPr lang="en-US"/>
           </a:p>
@@ -1186,7 +1186,7 @@
             <a:fld id="{7DD20F8F-B3A0-465C-A2C5-4272F8BE0711}" type="datetime1">
               <a:rPr lang="en-US" smtClean="0"/>
               <a:pPr/>
-              <a:t>9/22/2015 Tuesday</a:t>
+              <a:t>11/13/2015 Friday</a:t>
             </a:fld>
             <a:endParaRPr lang="en-US"/>
           </a:p>
@@ -1302,7 +1302,7 @@
             <a:fld id="{7DD20F8F-B3A0-465C-A2C5-4272F8BE0711}" type="datetime1">
               <a:rPr lang="en-US" smtClean="0"/>
               <a:pPr/>
-              <a:t>9/22/2015 Tuesday</a:t>
+              <a:t>11/13/2015 Friday</a:t>
             </a:fld>
             <a:endParaRPr lang="en-US"/>
           </a:p>
@@ -3023,7 +3023,7 @@
           <a:lstStyle/>
           <a:p>
             <a:r>
-              <a:rPr lang="en-US" sz="3200">
+              <a:rPr lang="en-US" sz="3200" dirty="0">
                 <a:solidFill>
                   <a:srgbClr val="091D58"/>
                 </a:solidFill>
@@ -3032,22 +3032,13 @@
               <a:t>Lecture </a:t>
             </a:r>
             <a:r>
-              <a:rPr lang="en-US" sz="3200" smtClean="0">
-                <a:solidFill>
-                  <a:srgbClr val="091D58"/>
-                </a:solidFill>
-                <a:latin typeface="Myriad Pro" panose="020B0503030403020204" pitchFamily="34" charset="0"/>
-              </a:rPr>
-              <a:t>8: </a:t>
-            </a:r>
-            <a:r>
               <a:rPr lang="en-US" sz="3200" dirty="0" smtClean="0">
                 <a:solidFill>
                   <a:srgbClr val="091D58"/>
                 </a:solidFill>
                 <a:latin typeface="Myriad Pro" panose="020B0503030403020204" pitchFamily="34" charset="0"/>
               </a:rPr>
-              <a:t>Passive Components</a:t>
+              <a:t>8: Passive Components</a:t>
             </a:r>
             <a:endParaRPr lang="en-US" sz="3200" dirty="0">
               <a:solidFill>
@@ -23253,14 +23244,14 @@
               <a:t> </a:t>
             </a:r>
             <a:r>
-              <a:rPr lang="en-US" sz="1800" dirty="0" err="1" smtClean="0">
+              <a:rPr lang="en-US" sz="1800" dirty="0" smtClean="0">
                 <a:solidFill>
                   <a:srgbClr val="292929"/>
                 </a:solidFill>
                 <a:latin typeface="Kalinga" panose="020B0502040204020203" pitchFamily="34" charset="0"/>
                 <a:cs typeface="Kalinga" panose="020B0502040204020203" pitchFamily="34" charset="0"/>
               </a:rPr>
-              <a:t>dividersc</a:t>
+              <a:t>dividers</a:t>
             </a:r>
             <a:endParaRPr lang="en-US" sz="1800" dirty="0" smtClean="0">
               <a:solidFill>

--- a/lectures/lec8/Lec8-Passive Components.pptx
+++ b/lectures/lec8/Lec8-Passive Components.pptx
@@ -214,7 +214,28 @@
       </p:ext>
     </p:extLst>
   </p:cmAuthor>
+  <p:cmAuthor id="2" name="Xiaoguang Liu" initials="XL [2]" lastIdx="1" clrIdx="2">
+    <p:extLst>
+      <p:ext uri="{19B8F6BF-5375-455C-9EA6-DF929625EA0E}">
+        <p15:presenceInfo xmlns:p15="http://schemas.microsoft.com/office/powerpoint/2012/main" userId="38ca93d2050687e9" providerId="Windows Live"/>
+      </p:ext>
+    </p:extLst>
+  </p:cmAuthor>
 </p:cmAuthorLst>
+</file>
+
+<file path=ppt/comments/comment1.xml><?xml version="1.0" encoding="utf-8"?>
+<p:cmLst xmlns:a="http://schemas.openxmlformats.org/drawingml/2006/main" xmlns:r="http://schemas.openxmlformats.org/officeDocument/2006/relationships" xmlns:p="http://schemas.openxmlformats.org/presentationml/2006/main">
+  <p:cm authorId="2" dt="2015-11-13T23:26:10.006" idx="1">
+    <p:pos x="10" y="10"/>
+    <p:text>more illustration on the filter shape factor, how to determine the rejection level</p:text>
+    <p:extLst>
+      <p:ext uri="{C676402C-5697-4E1C-873F-D02D1690AC5C}">
+        <p15:threadingInfo xmlns:p15="http://schemas.microsoft.com/office/powerpoint/2012/main" timeZoneBias="480"/>
+      </p:ext>
+    </p:extLst>
+  </p:cm>
+</p:cmLst>
 </file>
 
 <file path=ppt/handoutMasters/handoutMaster1.xml><?xml version="1.0" encoding="utf-8"?>
@@ -327,7 +348,7 @@
             <a:fld id="{F33530C9-BF13-40EE-A1EC-EBBB0134EBBA}" type="datetime1">
               <a:rPr lang="en-US"/>
               <a:pPr/>
-              <a:t>11/13/2015 Friday</a:t>
+              <a:t>11/13/2015</a:t>
             </a:fld>
             <a:endParaRPr lang="en-US"/>
           </a:p>
@@ -545,7 +566,7 @@
             <a:fld id="{7DD20F8F-B3A0-465C-A2C5-4272F8BE0711}" type="datetime1">
               <a:rPr lang="en-US"/>
               <a:pPr/>
-              <a:t>11/13/2015 Friday</a:t>
+              <a:t>11/13/2015</a:t>
             </a:fld>
             <a:endParaRPr lang="en-US"/>
           </a:p>
@@ -944,7 +965,7 @@
             <a:fld id="{7DD20F8F-B3A0-465C-A2C5-4272F8BE0711}" type="datetime1">
               <a:rPr lang="en-US" smtClean="0"/>
               <a:pPr/>
-              <a:t>11/13/2015 Friday</a:t>
+              <a:t>11/13/2015</a:t>
             </a:fld>
             <a:endParaRPr lang="en-US"/>
           </a:p>
@@ -1061,7 +1082,7 @@
             <a:fld id="{7DD20F8F-B3A0-465C-A2C5-4272F8BE0711}" type="datetime1">
               <a:rPr lang="en-US" smtClean="0"/>
               <a:pPr/>
-              <a:t>11/13/2015 Friday</a:t>
+              <a:t>11/13/2015</a:t>
             </a:fld>
             <a:endParaRPr lang="en-US"/>
           </a:p>
@@ -1186,7 +1207,7 @@
             <a:fld id="{7DD20F8F-B3A0-465C-A2C5-4272F8BE0711}" type="datetime1">
               <a:rPr lang="en-US" smtClean="0"/>
               <a:pPr/>
-              <a:t>11/13/2015 Friday</a:t>
+              <a:t>11/13/2015</a:t>
             </a:fld>
             <a:endParaRPr lang="en-US"/>
           </a:p>
@@ -1302,7 +1323,7 @@
             <a:fld id="{7DD20F8F-B3A0-465C-A2C5-4272F8BE0711}" type="datetime1">
               <a:rPr lang="en-US" smtClean="0"/>
               <a:pPr/>
-              <a:t>11/13/2015 Friday</a:t>
+              <a:t>11/13/2015</a:t>
             </a:fld>
             <a:endParaRPr lang="en-US"/>
           </a:p>
@@ -23241,25 +23262,8 @@
                 <a:latin typeface="Kalinga" panose="020B0502040204020203" pitchFamily="34" charset="0"/>
                 <a:cs typeface="Kalinga" panose="020B0502040204020203" pitchFamily="34" charset="0"/>
               </a:rPr>
-              <a:t> </a:t>
-            </a:r>
-            <a:r>
-              <a:rPr lang="en-US" sz="1800" dirty="0" smtClean="0">
-                <a:solidFill>
-                  <a:srgbClr val="292929"/>
-                </a:solidFill>
-                <a:latin typeface="Kalinga" panose="020B0502040204020203" pitchFamily="34" charset="0"/>
-                <a:cs typeface="Kalinga" panose="020B0502040204020203" pitchFamily="34" charset="0"/>
-              </a:rPr>
-              <a:t>dividers</a:t>
-            </a:r>
-            <a:endParaRPr lang="en-US" sz="1800" dirty="0" smtClean="0">
-              <a:solidFill>
-                <a:srgbClr val="292929"/>
-              </a:solidFill>
-              <a:latin typeface="Kalinga" panose="020B0502040204020203" pitchFamily="34" charset="0"/>
-              <a:cs typeface="Kalinga" panose="020B0502040204020203" pitchFamily="34" charset="0"/>
-            </a:endParaRPr>
+              <a:t> dividers</a:t>
+            </a:r>
           </a:p>
         </p:txBody>
       </p:sp>

--- a/lectures/lec8/Lec8-Passive Components.pptx
+++ b/lectures/lec8/Lec8-Passive Components.pptx
@@ -348,7 +348,7 @@
             <a:fld id="{F33530C9-BF13-40EE-A1EC-EBBB0134EBBA}" type="datetime1">
               <a:rPr lang="en-US"/>
               <a:pPr/>
-              <a:t>11/13/2015</a:t>
+              <a:t>10/20/2018</a:t>
             </a:fld>
             <a:endParaRPr lang="en-US"/>
           </a:p>
@@ -566,7 +566,7 @@
             <a:fld id="{7DD20F8F-B3A0-465C-A2C5-4272F8BE0711}" type="datetime1">
               <a:rPr lang="en-US"/>
               <a:pPr/>
-              <a:t>11/13/2015</a:t>
+              <a:t>10/20/2018</a:t>
             </a:fld>
             <a:endParaRPr lang="en-US"/>
           </a:p>
@@ -965,7 +965,7 @@
             <a:fld id="{7DD20F8F-B3A0-465C-A2C5-4272F8BE0711}" type="datetime1">
               <a:rPr lang="en-US" smtClean="0"/>
               <a:pPr/>
-              <a:t>11/13/2015</a:t>
+              <a:t>10/20/2018</a:t>
             </a:fld>
             <a:endParaRPr lang="en-US"/>
           </a:p>
@@ -1053,11 +1053,11 @@
           <a:lstStyle/>
           <a:p>
             <a:r>
-              <a:rPr lang="en-US" dirty="0" smtClean="0"/>
+              <a:rPr lang="en-US" dirty="0"/>
               <a:t>Discuss the adverse</a:t>
             </a:r>
             <a:r>
-              <a:rPr lang="en-US" baseline="0" dirty="0" smtClean="0"/>
+              <a:rPr lang="en-US" baseline="0" dirty="0"/>
               <a:t> effect of un-matched split ports</a:t>
             </a:r>
             <a:endParaRPr lang="en-US" dirty="0"/>
@@ -1082,7 +1082,7 @@
             <a:fld id="{7DD20F8F-B3A0-465C-A2C5-4272F8BE0711}" type="datetime1">
               <a:rPr lang="en-US" smtClean="0"/>
               <a:pPr/>
-              <a:t>11/13/2015</a:t>
+              <a:t>10/20/2018</a:t>
             </a:fld>
             <a:endParaRPr lang="en-US"/>
           </a:p>
@@ -1170,22 +1170,21 @@
           <a:lstStyle/>
           <a:p>
             <a:r>
-              <a:rPr lang="en-US" dirty="0" smtClean="0"/>
+              <a:rPr lang="en-US" dirty="0"/>
               <a:t>http://www.markimicrowave.com/Couplers/3_dB_Quadrature_90_degree_Hybrids/QH-0440.aspx	</a:t>
             </a:r>
           </a:p>
           <a:p>
             <a:r>
-              <a:rPr lang="en-US" dirty="0" smtClean="0"/>
+              <a:rPr lang="en-US" dirty="0"/>
               <a:t>http://www.ihf.uni-stuttgart.de/forschung/forschungsgebiete/uwb/index.en.html</a:t>
             </a:r>
           </a:p>
           <a:p>
             <a:r>
-              <a:rPr lang="en-US" dirty="0" smtClean="0"/>
+              <a:rPr lang="en-US" dirty="0"/>
               <a:t>http://innovativepp.com/surface-mount-90-degree-hybrid-coupler/</a:t>
             </a:r>
-            <a:endParaRPr lang="en-US" dirty="0"/>
           </a:p>
         </p:txBody>
       </p:sp>
@@ -1207,7 +1206,7 @@
             <a:fld id="{7DD20F8F-B3A0-465C-A2C5-4272F8BE0711}" type="datetime1">
               <a:rPr lang="en-US" smtClean="0"/>
               <a:pPr/>
-              <a:t>11/13/2015</a:t>
+              <a:t>10/20/2018</a:t>
             </a:fld>
             <a:endParaRPr lang="en-US"/>
           </a:p>
@@ -1295,11 +1294,11 @@
           <a:lstStyle/>
           <a:p>
             <a:r>
-              <a:rPr lang="en-US" dirty="0" smtClean="0"/>
+              <a:rPr lang="en-US" dirty="0"/>
               <a:t>Need photos</a:t>
             </a:r>
             <a:r>
-              <a:rPr lang="en-US" baseline="0" dirty="0" smtClean="0"/>
+              <a:rPr lang="en-US" baseline="0" dirty="0"/>
               <a:t> of actual 180 hybrids</a:t>
             </a:r>
           </a:p>
@@ -1323,7 +1322,7 @@
             <a:fld id="{7DD20F8F-B3A0-465C-A2C5-4272F8BE0711}" type="datetime1">
               <a:rPr lang="en-US" smtClean="0"/>
               <a:pPr/>
-              <a:t>11/13/2015</a:t>
+              <a:t>10/20/2018</a:t>
             </a:fld>
             <a:endParaRPr lang="en-US"/>
           </a:p>
@@ -1408,10 +1407,9 @@
           </a:lstStyle>
           <a:p>
             <a:r>
-              <a:rPr lang="en-US" smtClean="0"/>
+              <a:rPr lang="en-US"/>
               <a:t>Click to edit Master title style</a:t>
             </a:r>
-            <a:endParaRPr lang="en-US"/>
           </a:p>
         </p:txBody>
       </p:sp>
@@ -1442,10 +1440,9 @@
           </a:lstStyle>
           <a:p>
             <a:r>
-              <a:rPr lang="en-US" smtClean="0"/>
+              <a:rPr lang="en-US"/>
               <a:t>Click to edit Master subtitle style</a:t>
             </a:r>
-            <a:endParaRPr lang="en-US"/>
           </a:p>
         </p:txBody>
       </p:sp>
@@ -1699,10 +1696,9 @@
           </a:lstStyle>
           <a:p>
             <a:r>
-              <a:rPr lang="en-US" smtClean="0"/>
+              <a:rPr lang="en-US"/>
               <a:t>Click to edit Master title style</a:t>
             </a:r>
-            <a:endParaRPr lang="en-US"/>
           </a:p>
         </p:txBody>
       </p:sp>
@@ -1733,10 +1729,9 @@
           </a:lstStyle>
           <a:p>
             <a:r>
-              <a:rPr lang="en-US" smtClean="0"/>
+              <a:rPr lang="en-US"/>
               <a:t>Click to edit Master subtitle style</a:t>
             </a:r>
-            <a:endParaRPr lang="en-US"/>
           </a:p>
         </p:txBody>
       </p:sp>
@@ -1808,10 +1803,9 @@
           <a:p>
             <a:pPr lvl="0"/>
             <a:r>
-              <a:rPr lang="en-US" dirty="0" smtClean="0"/>
+              <a:rPr lang="en-US" dirty="0"/>
               <a:t>Click to edit Master title</a:t>
             </a:r>
-            <a:endParaRPr lang="en-US" dirty="0"/>
           </a:p>
         </p:txBody>
       </p:sp>
@@ -1930,38 +1924,37 @@
           <a:p>
             <a:pPr lvl="0"/>
             <a:r>
-              <a:rPr lang="en-US" dirty="0" smtClean="0"/>
+              <a:rPr lang="en-US" dirty="0"/>
               <a:t>Click to edit Master text styles</a:t>
             </a:r>
           </a:p>
           <a:p>
             <a:pPr lvl="1"/>
             <a:r>
-              <a:rPr lang="en-US" dirty="0" smtClean="0"/>
+              <a:rPr lang="en-US" dirty="0"/>
               <a:t>Second level</a:t>
             </a:r>
           </a:p>
           <a:p>
             <a:pPr lvl="2"/>
             <a:r>
-              <a:rPr lang="en-US" dirty="0" smtClean="0"/>
+              <a:rPr lang="en-US" dirty="0"/>
               <a:t>Third level</a:t>
             </a:r>
           </a:p>
           <a:p>
             <a:pPr lvl="3"/>
             <a:r>
-              <a:rPr lang="en-US" dirty="0" smtClean="0"/>
+              <a:rPr lang="en-US" dirty="0"/>
               <a:t>Fourth level</a:t>
             </a:r>
           </a:p>
           <a:p>
             <a:pPr lvl="4"/>
             <a:r>
-              <a:rPr lang="en-US" dirty="0" smtClean="0"/>
+              <a:rPr lang="en-US" dirty="0"/>
               <a:t>Fifth level</a:t>
             </a:r>
-            <a:endParaRPr lang="en-US" dirty="0"/>
           </a:p>
         </p:txBody>
       </p:sp>
@@ -1970,13 +1963,6 @@
   <p:clrMapOvr>
     <a:masterClrMapping/>
   </p:clrMapOvr>
-  <p:timing>
-    <p:tnLst>
-      <p:par>
-        <p:cTn id="1" dur="indefinite" restart="never" nodeType="tmRoot"/>
-      </p:par>
-    </p:tnLst>
-  </p:timing>
 </p:sldLayout>
 </file>
 
@@ -2083,7 +2069,7 @@
           </a:lstStyle>
           <a:p>
             <a:pPr lvl="0"/>
-            <a:endParaRPr lang="en-US" dirty="0" smtClean="0"/>
+            <a:endParaRPr lang="en-US" dirty="0"/>
           </a:p>
         </p:txBody>
       </p:sp>
@@ -2157,10 +2143,9 @@
           <a:p>
             <a:pPr lvl="0"/>
             <a:r>
-              <a:rPr lang="en-US" dirty="0" smtClean="0"/>
+              <a:rPr lang="en-US" dirty="0"/>
               <a:t>Click to edit Master title</a:t>
             </a:r>
-            <a:endParaRPr lang="en-US" dirty="0"/>
           </a:p>
         </p:txBody>
       </p:sp>
@@ -2200,38 +2185,37 @@
           <a:p>
             <a:pPr lvl="0"/>
             <a:r>
-              <a:rPr lang="en-US" dirty="0" smtClean="0"/>
+              <a:rPr lang="en-US" dirty="0"/>
               <a:t> Click to edit Master text styles</a:t>
             </a:r>
           </a:p>
           <a:p>
             <a:pPr lvl="1"/>
             <a:r>
-              <a:rPr lang="en-US" dirty="0" smtClean="0"/>
+              <a:rPr lang="en-US" dirty="0"/>
               <a:t>Second level</a:t>
             </a:r>
           </a:p>
           <a:p>
             <a:pPr lvl="2"/>
             <a:r>
-              <a:rPr lang="en-US" dirty="0" smtClean="0"/>
+              <a:rPr lang="en-US" dirty="0"/>
               <a:t>Third level</a:t>
             </a:r>
           </a:p>
           <a:p>
             <a:pPr lvl="3"/>
             <a:r>
-              <a:rPr lang="en-US" dirty="0" smtClean="0"/>
+              <a:rPr lang="en-US" dirty="0"/>
               <a:t>Fourth level</a:t>
             </a:r>
           </a:p>
           <a:p>
             <a:pPr lvl="4"/>
             <a:r>
-              <a:rPr lang="en-US" dirty="0" smtClean="0"/>
+              <a:rPr lang="en-US" dirty="0"/>
               <a:t>Fifth level</a:t>
             </a:r>
-            <a:endParaRPr lang="en-US" dirty="0"/>
           </a:p>
         </p:txBody>
       </p:sp>
@@ -2318,13 +2302,6 @@
     <p:sldLayoutId id="2147483650" r:id="rId3"/>
     <p:sldLayoutId id="2147483651" r:id="rId4"/>
   </p:sldLayoutIdLst>
-  <p:timing>
-    <p:tnLst>
-      <p:par>
-        <p:cTn id="1" dur="indefinite" restart="never" nodeType="tmRoot"/>
-      </p:par>
-    </p:tnLst>
-  </p:timing>
   <p:hf hdr="0" ftr="0" dt="0"/>
   <p:txStyles>
     <p:titleStyle>
@@ -2769,7 +2746,7 @@
           <a:lstStyle/>
           <a:p>
             <a:r>
-              <a:rPr lang="en-US" sz="2000" dirty="0">
+              <a:rPr lang="en-US" altLang="zh-CN" sz="2000" dirty="0">
                 <a:solidFill>
                   <a:schemeClr val="bg1"/>
                 </a:solidFill>
@@ -2780,7 +2757,7 @@
             </a:r>
           </a:p>
           <a:p>
-            <a:endParaRPr lang="en-US" sz="500" dirty="0">
+            <a:endParaRPr lang="en-US" altLang="zh-CN" sz="500" dirty="0">
               <a:solidFill>
                 <a:schemeClr val="bg1"/>
               </a:solidFill>
@@ -2790,18 +2767,18 @@
           </a:p>
           <a:p>
             <a:r>
-              <a:rPr lang="en-US" sz="2000" dirty="0">
+              <a:rPr lang="en-US" altLang="zh-CN" sz="2000" dirty="0">
                 <a:solidFill>
                   <a:schemeClr val="bg1"/>
                 </a:solidFill>
                 <a:latin typeface="Kalinga" panose="020B0502040204020203" pitchFamily="34" charset="0"/>
                 <a:cs typeface="Kalinga" panose="020B0502040204020203" pitchFamily="34" charset="0"/>
               </a:rPr>
-              <a:t>Assistant Professor</a:t>
+              <a:t>Associate Professor</a:t>
             </a:r>
           </a:p>
           <a:p>
-            <a:endParaRPr lang="en-US" sz="500" dirty="0">
+            <a:endParaRPr lang="en-US" altLang="zh-CN" sz="500" dirty="0">
               <a:solidFill>
                 <a:schemeClr val="bg1"/>
               </a:solidFill>
@@ -2811,7 +2788,7 @@
           </a:p>
           <a:p>
             <a:r>
-              <a:rPr lang="en-US" sz="2000" dirty="0">
+              <a:rPr lang="en-US" altLang="zh-CN" sz="2000" dirty="0">
                 <a:solidFill>
                   <a:schemeClr val="bg1"/>
                 </a:solidFill>
@@ -2822,7 +2799,7 @@
             </a:r>
           </a:p>
           <a:p>
-            <a:endParaRPr lang="en-US" sz="500" dirty="0">
+            <a:endParaRPr lang="en-US" altLang="zh-CN" sz="500" dirty="0">
               <a:solidFill>
                 <a:schemeClr val="bg1"/>
               </a:solidFill>
@@ -2831,7 +2808,7 @@
             </a:endParaRPr>
           </a:p>
           <a:p>
-            <a:endParaRPr lang="en-US" sz="500" dirty="0">
+            <a:endParaRPr lang="en-US" altLang="zh-CN" sz="500" dirty="0">
               <a:solidFill>
                 <a:schemeClr val="bg1"/>
               </a:solidFill>
@@ -2841,35 +2818,18 @@
           </a:p>
           <a:p>
             <a:r>
-              <a:rPr lang="en-US" sz="2000" dirty="0">
+              <a:rPr lang="en-US" altLang="zh-CN" sz="2000" dirty="0">
                 <a:solidFill>
                   <a:schemeClr val="bg1"/>
                 </a:solidFill>
                 <a:latin typeface="Kalinga" panose="020B0502040204020203" pitchFamily="34" charset="0"/>
                 <a:cs typeface="Kalinga" panose="020B0502040204020203" pitchFamily="34" charset="0"/>
               </a:rPr>
-              <a:t>Tel: </a:t>
-            </a:r>
-            <a:r>
-              <a:rPr lang="en-US" sz="2000" dirty="0" smtClean="0">
-                <a:solidFill>
-                  <a:schemeClr val="bg1"/>
-                </a:solidFill>
-                <a:latin typeface="Kalinga" panose="020B0502040204020203" pitchFamily="34" charset="0"/>
-                <a:cs typeface="Kalinga" panose="020B0502040204020203" pitchFamily="34" charset="0"/>
-              </a:rPr>
-              <a:t>530-289-6367</a:t>
-            </a:r>
-            <a:endParaRPr lang="en-US" sz="2000" dirty="0">
-              <a:solidFill>
-                <a:schemeClr val="bg1"/>
-              </a:solidFill>
-              <a:latin typeface="Kalinga" panose="020B0502040204020203" pitchFamily="34" charset="0"/>
-              <a:cs typeface="Kalinga" panose="020B0502040204020203" pitchFamily="34" charset="0"/>
-            </a:endParaRPr>
+              <a:t>Tel: 530-289-6367</a:t>
+            </a:r>
           </a:p>
           <a:p>
-            <a:endParaRPr lang="en-US" sz="500" dirty="0">
+            <a:endParaRPr lang="en-US" altLang="zh-CN" sz="500" dirty="0">
               <a:solidFill>
                 <a:schemeClr val="bg1">
                   <a:lumMod val="75000"/>
@@ -2882,7 +2842,7 @@
           </a:p>
           <a:p>
             <a:r>
-              <a:rPr lang="en-US" sz="2000" dirty="0">
+              <a:rPr lang="en-US" altLang="zh-CN" sz="2000" dirty="0">
                 <a:solidFill>
                   <a:schemeClr val="bg1">
                     <a:lumMod val="75000"/>
@@ -2895,7 +2855,7 @@
               </a:rPr>
               <a:t>lxgliu@ucdavis.edu</a:t>
             </a:r>
-            <a:endParaRPr lang="en-US" sz="2000" dirty="0">
+            <a:endParaRPr lang="en-US" altLang="zh-CN" sz="2000" dirty="0">
               <a:solidFill>
                 <a:schemeClr val="bg1">
                   <a:lumMod val="75000"/>
@@ -2908,7 +2868,7 @@
           </a:p>
           <a:p>
             <a:r>
-              <a:rPr lang="en-US" sz="2000" dirty="0">
+              <a:rPr lang="en-US" altLang="zh-CN" sz="2000">
                 <a:solidFill>
                   <a:schemeClr val="bg1">
                     <a:lumMod val="75000"/>
@@ -2919,9 +2879,9 @@
                 <a:cs typeface="Kalinga" panose="020B0502040204020203" pitchFamily="34" charset="0"/>
                 <a:hlinkClick r:id="rId4"/>
               </a:rPr>
-              <a:t>http://ucdart.net</a:t>
-            </a:r>
-            <a:endParaRPr lang="en-US" sz="2000" dirty="0">
+              <a:t>http://dart.ece.ucdavis.edu</a:t>
+            </a:r>
+            <a:endParaRPr lang="en-US" altLang="zh-CN" sz="2000">
               <a:solidFill>
                 <a:schemeClr val="bg1">
                   <a:lumMod val="75000"/>
@@ -2966,14 +2926,11 @@
           <a:lstStyle/>
           <a:p>
             <a:r>
-              <a:rPr lang="en-US" dirty="0" smtClean="0">
+              <a:rPr lang="en-US" dirty="0">
                 <a:latin typeface="Franklin Gothic Demi" panose="020B0703020102020204" pitchFamily="34" charset="0"/>
               </a:rPr>
               <a:t>Design of RF &amp; Microwave Systems</a:t>
             </a:r>
-            <a:endParaRPr lang="en-US" dirty="0">
-              <a:latin typeface="Franklin Gothic Demi" panose="020B0703020102020204" pitchFamily="34" charset="0"/>
-            </a:endParaRPr>
           </a:p>
         </p:txBody>
       </p:sp>
@@ -2998,18 +2955,13 @@
           <a:lstStyle/>
           <a:p>
             <a:r>
-              <a:rPr lang="en-US" sz="2400" b="1" dirty="0" smtClean="0">
+              <a:rPr lang="en-US" sz="2400" b="1" dirty="0">
                 <a:solidFill>
                   <a:srgbClr val="BF9900"/>
                 </a:solidFill>
               </a:rPr>
               <a:t>EEC 134 A&amp;B</a:t>
             </a:r>
-            <a:endParaRPr lang="en-US" sz="2400" b="1" dirty="0">
-              <a:solidFill>
-                <a:srgbClr val="BF9900"/>
-              </a:solidFill>
-            </a:endParaRPr>
           </a:p>
         </p:txBody>
       </p:sp>
@@ -3050,23 +3002,8 @@
                 </a:solidFill>
                 <a:latin typeface="Myriad Pro" panose="020B0503030403020204" pitchFamily="34" charset="0"/>
               </a:rPr>
-              <a:t>Lecture </a:t>
-            </a:r>
-            <a:r>
-              <a:rPr lang="en-US" sz="3200" dirty="0" smtClean="0">
-                <a:solidFill>
-                  <a:srgbClr val="091D58"/>
-                </a:solidFill>
-                <a:latin typeface="Myriad Pro" panose="020B0503030403020204" pitchFamily="34" charset="0"/>
-              </a:rPr>
-              <a:t>8: Passive Components</a:t>
-            </a:r>
-            <a:endParaRPr lang="en-US" sz="3200" dirty="0">
-              <a:solidFill>
-                <a:srgbClr val="091D58"/>
-              </a:solidFill>
-              <a:latin typeface="Myriad Pro" panose="020B0503030403020204" pitchFamily="34" charset="0"/>
-            </a:endParaRPr>
+              <a:t>Lecture 8: Passive Components</a:t>
+            </a:r>
           </a:p>
         </p:txBody>
       </p:sp>
@@ -3075,13 +3012,6 @@
   <p:clrMapOvr>
     <a:masterClrMapping/>
   </p:clrMapOvr>
-  <p:timing>
-    <p:tnLst>
-      <p:par>
-        <p:cTn id="1" dur="indefinite" restart="never" nodeType="tmRoot"/>
-      </p:par>
-    </p:tnLst>
-  </p:timing>
 </p:sld>
 </file>
 
@@ -3119,14 +3049,10 @@
           <a:p>
             <a:r>
               <a:rPr lang="en-US" dirty="0"/>
-              <a:t>9</a:t>
-            </a:r>
-            <a:r>
-              <a:rPr lang="en-US" dirty="0" smtClean="0"/>
-              <a:t>0</a:t>
-            </a:r>
-            <a:r>
-              <a:rPr lang="en-US" dirty="0" smtClean="0">
+              <a:t>90</a:t>
+            </a:r>
+            <a:r>
+              <a:rPr lang="en-US" dirty="0">
                 <a:latin typeface="Calibri" panose="020F0502020204030204" pitchFamily="34" charset="0"/>
               </a:rPr>
               <a:t>⁰ Hybrid</a:t>
@@ -3156,28 +3082,28 @@
           <a:lstStyle/>
           <a:p>
             <a:r>
-              <a:rPr lang="en-US" dirty="0" smtClean="0"/>
+              <a:rPr lang="en-US" dirty="0"/>
               <a:t>Sometime also called </a:t>
             </a:r>
             <a:r>
-              <a:rPr lang="en-US" i="1" dirty="0" smtClean="0"/>
+              <a:rPr lang="en-US" i="1" dirty="0"/>
               <a:t>quadrature</a:t>
             </a:r>
             <a:r>
-              <a:rPr lang="en-US" dirty="0" smtClean="0"/>
+              <a:rPr lang="en-US" dirty="0"/>
               <a:t> hybrid</a:t>
             </a:r>
           </a:p>
           <a:p>
             <a:pPr lvl="1"/>
             <a:r>
-              <a:rPr lang="en-US" dirty="0" smtClean="0"/>
+              <a:rPr lang="en-US" dirty="0"/>
               <a:t>Can be used to generate a pair of sine and cosine waves from a cosine (or sine) wave; the significance of this will be discussed in future lectures</a:t>
             </a:r>
           </a:p>
           <a:p>
             <a:r>
-              <a:rPr lang="en-US" dirty="0" smtClean="0"/>
+              <a:rPr lang="en-US" dirty="0"/>
               <a:t>Can be found in many forms</a:t>
             </a:r>
           </a:p>
@@ -3398,7 +3324,7 @@
                     </m:oMath>
                   </m:oMathPara>
                 </a14:m>
-                <a:endParaRPr lang="en-US" sz="2000" dirty="0" smtClean="0">
+                <a:endParaRPr lang="en-US" sz="2000" dirty="0">
                   <a:solidFill>
                     <a:schemeClr val="bg1"/>
                   </a:solidFill>
@@ -3585,7 +3511,7 @@
                     </m:oMath>
                   </m:oMathPara>
                 </a14:m>
-                <a:endParaRPr lang="en-US" sz="2000" dirty="0" smtClean="0">
+                <a:endParaRPr lang="en-US" sz="2000" dirty="0">
                   <a:solidFill>
                     <a:schemeClr val="bg1"/>
                   </a:solidFill>
@@ -3763,7 +3689,7 @@
                     </m:oMath>
                   </m:oMathPara>
                 </a14:m>
-                <a:endParaRPr lang="en-US" sz="2000" dirty="0" smtClean="0">
+                <a:endParaRPr lang="en-US" sz="2000" dirty="0">
                   <a:solidFill>
                     <a:schemeClr val="bg1"/>
                   </a:solidFill>
@@ -4018,20 +3944,19 @@
           <a:lstStyle/>
           <a:p>
             <a:r>
-              <a:rPr lang="en-US" dirty="0" smtClean="0"/>
+              <a:rPr lang="en-US" dirty="0"/>
               <a:t>180</a:t>
             </a:r>
             <a:r>
-              <a:rPr lang="en-US" dirty="0" smtClean="0">
+              <a:rPr lang="en-US" dirty="0">
                 <a:latin typeface="Calibri" panose="020F0502020204030204" pitchFamily="34" charset="0"/>
               </a:rPr>
               <a:t>⁰</a:t>
             </a:r>
             <a:r>
-              <a:rPr lang="en-US" dirty="0" smtClean="0"/>
+              <a:rPr lang="en-US" dirty="0"/>
               <a:t> Hybrid</a:t>
             </a:r>
-            <a:endParaRPr lang="en-US" dirty="0"/>
           </a:p>
         </p:txBody>
       </p:sp>
@@ -4056,25 +3981,25 @@
           <a:lstStyle/>
           <a:p>
             <a:r>
-              <a:rPr lang="en-US" dirty="0" smtClean="0"/>
+              <a:rPr lang="en-US" dirty="0"/>
               <a:t>Can split power equally into two in-phase signals</a:t>
             </a:r>
           </a:p>
           <a:p>
             <a:r>
-              <a:rPr lang="en-US" dirty="0" smtClean="0"/>
+              <a:rPr lang="en-US" dirty="0"/>
               <a:t>Can also split power equally into two out-of-phase signals</a:t>
             </a:r>
           </a:p>
           <a:p>
             <a:r>
-              <a:rPr lang="en-US" dirty="0" smtClean="0"/>
+              <a:rPr lang="en-US" dirty="0"/>
               <a:t>Can be used to generate differential signal pairs</a:t>
             </a:r>
           </a:p>
           <a:p>
             <a:r>
-              <a:rPr lang="en-US" dirty="0" smtClean="0"/>
+              <a:rPr lang="en-US" dirty="0"/>
               <a:t>Can be used to generate sum and difference of two high frequency signals</a:t>
             </a:r>
           </a:p>
@@ -4116,13 +4041,6 @@
   <p:clrMapOvr>
     <a:masterClrMapping/>
   </p:clrMapOvr>
-  <p:timing>
-    <p:tnLst>
-      <p:par>
-        <p:cTn id="1" dur="indefinite" restart="never" nodeType="tmRoot"/>
-      </p:par>
-    </p:tnLst>
-  </p:timing>
 </p:sld>
 </file>
 
@@ -4159,20 +4077,19 @@
           <a:lstStyle/>
           <a:p>
             <a:r>
-              <a:rPr lang="en-US" dirty="0" smtClean="0"/>
+              <a:rPr lang="en-US" dirty="0"/>
               <a:t>180</a:t>
             </a:r>
             <a:r>
-              <a:rPr lang="en-US" dirty="0" smtClean="0">
+              <a:rPr lang="en-US" dirty="0">
                 <a:latin typeface="Calibri" panose="020F0502020204030204" pitchFamily="34" charset="0"/>
               </a:rPr>
               <a:t>⁰</a:t>
             </a:r>
             <a:r>
-              <a:rPr lang="en-US" dirty="0" smtClean="0"/>
+              <a:rPr lang="en-US" dirty="0"/>
               <a:t> Hybrid</a:t>
             </a:r>
-            <a:endParaRPr lang="en-US" dirty="0"/>
           </a:p>
         </p:txBody>
       </p:sp>
@@ -4197,25 +4114,25 @@
           <a:lstStyle/>
           <a:p>
             <a:r>
-              <a:rPr lang="en-US" u="sng" dirty="0" smtClean="0"/>
+              <a:rPr lang="en-US" u="sng" dirty="0"/>
               <a:t>Can split power equally into two in-phase signals</a:t>
             </a:r>
           </a:p>
           <a:p>
             <a:r>
-              <a:rPr lang="en-US" dirty="0" smtClean="0"/>
+              <a:rPr lang="en-US" dirty="0"/>
               <a:t>Can also split power equally into two out-of-phase signals</a:t>
             </a:r>
           </a:p>
           <a:p>
             <a:r>
-              <a:rPr lang="en-US" dirty="0" smtClean="0"/>
+              <a:rPr lang="en-US" dirty="0"/>
               <a:t>Can be used to generate differential signal pairs</a:t>
             </a:r>
           </a:p>
           <a:p>
             <a:r>
-              <a:rPr lang="en-US" dirty="0" smtClean="0"/>
+              <a:rPr lang="en-US" dirty="0"/>
               <a:t>Can be used to generate sum and difference of two high frequency signals</a:t>
             </a:r>
           </a:p>
@@ -4317,7 +4234,7 @@
                     </m:oMath>
                   </m:oMathPara>
                 </a14:m>
-                <a:endParaRPr lang="en-US" dirty="0" smtClean="0">
+                <a:endParaRPr lang="en-US" dirty="0">
                   <a:solidFill>
                     <a:srgbClr val="0070C0"/>
                   </a:solidFill>
@@ -4486,7 +4403,7 @@
                     </m:oMath>
                   </m:oMathPara>
                 </a14:m>
-                <a:endParaRPr lang="en-US" dirty="0" smtClean="0">
+                <a:endParaRPr lang="en-US" dirty="0">
                   <a:solidFill>
                     <a:srgbClr val="0070C0"/>
                   </a:solidFill>
@@ -4655,7 +4572,7 @@
                     </m:oMath>
                   </m:oMathPara>
                 </a14:m>
-                <a:endParaRPr lang="en-US" dirty="0" smtClean="0">
+                <a:endParaRPr lang="en-US" dirty="0">
                   <a:solidFill>
                     <a:srgbClr val="0070C0"/>
                   </a:solidFill>
@@ -4754,7 +4671,7 @@
               <a:buNone/>
               <a:tabLst/>
             </a:pPr>
-            <a:endParaRPr kumimoji="0" lang="en-US" sz="2400" b="0" i="0" u="none" strike="noStrike" cap="none" normalizeH="0" baseline="0" smtClean="0">
+            <a:endParaRPr kumimoji="0" lang="en-US" sz="2400" b="0" i="0" u="none" strike="noStrike" cap="none" normalizeH="0" baseline="0">
               <a:ln>
                 <a:noFill/>
               </a:ln>
@@ -4777,13 +4694,6 @@
   <p:clrMapOvr>
     <a:masterClrMapping/>
   </p:clrMapOvr>
-  <p:timing>
-    <p:tnLst>
-      <p:par>
-        <p:cTn id="1" dur="indefinite" restart="never" nodeType="tmRoot"/>
-      </p:par>
-    </p:tnLst>
-  </p:timing>
 </p:sld>
 </file>
 
@@ -4820,20 +4730,19 @@
           <a:lstStyle/>
           <a:p>
             <a:r>
-              <a:rPr lang="en-US" dirty="0" smtClean="0"/>
+              <a:rPr lang="en-US" dirty="0"/>
               <a:t>180</a:t>
             </a:r>
             <a:r>
-              <a:rPr lang="en-US" dirty="0" smtClean="0">
+              <a:rPr lang="en-US" dirty="0">
                 <a:latin typeface="Calibri" panose="020F0502020204030204" pitchFamily="34" charset="0"/>
               </a:rPr>
               <a:t>⁰</a:t>
             </a:r>
             <a:r>
-              <a:rPr lang="en-US" dirty="0" smtClean="0"/>
+              <a:rPr lang="en-US" dirty="0"/>
               <a:t> Hybrid</a:t>
             </a:r>
-            <a:endParaRPr lang="en-US" dirty="0"/>
           </a:p>
         </p:txBody>
       </p:sp>
@@ -4858,25 +4767,25 @@
           <a:lstStyle/>
           <a:p>
             <a:r>
-              <a:rPr lang="en-US" u="sng" dirty="0" smtClean="0"/>
+              <a:rPr lang="en-US" u="sng" dirty="0"/>
               <a:t>Can split power equally into two in-phase signals</a:t>
             </a:r>
           </a:p>
           <a:p>
             <a:r>
-              <a:rPr lang="en-US" dirty="0" smtClean="0"/>
+              <a:rPr lang="en-US" dirty="0"/>
               <a:t>Can also split power equally into two out-of-phase signals</a:t>
             </a:r>
           </a:p>
           <a:p>
             <a:r>
-              <a:rPr lang="en-US" dirty="0" smtClean="0"/>
+              <a:rPr lang="en-US" dirty="0"/>
               <a:t>Can be used to generate differential signal pairs</a:t>
             </a:r>
           </a:p>
           <a:p>
             <a:r>
-              <a:rPr lang="en-US" dirty="0" smtClean="0"/>
+              <a:rPr lang="en-US" dirty="0"/>
               <a:t>Can be used to generate sum and difference of two high frequency signals</a:t>
             </a:r>
           </a:p>
@@ -4978,7 +4887,7 @@
                     </m:oMath>
                   </m:oMathPara>
                 </a14:m>
-                <a:endParaRPr lang="en-US" dirty="0" smtClean="0">
+                <a:endParaRPr lang="en-US" dirty="0">
                   <a:solidFill>
                     <a:srgbClr val="0070C0"/>
                   </a:solidFill>
@@ -5147,7 +5056,7 @@
                     </m:oMath>
                   </m:oMathPara>
                 </a14:m>
-                <a:endParaRPr lang="en-US" dirty="0" smtClean="0">
+                <a:endParaRPr lang="en-US" dirty="0">
                   <a:solidFill>
                     <a:srgbClr val="0070C0"/>
                   </a:solidFill>
@@ -5316,7 +5225,7 @@
                     </m:oMath>
                   </m:oMathPara>
                 </a14:m>
-                <a:endParaRPr lang="en-US" dirty="0" smtClean="0">
+                <a:endParaRPr lang="en-US" dirty="0">
                   <a:solidFill>
                     <a:srgbClr val="0070C0"/>
                   </a:solidFill>
@@ -5415,7 +5324,7 @@
               <a:buNone/>
               <a:tabLst/>
             </a:pPr>
-            <a:endParaRPr kumimoji="0" lang="en-US" sz="2400" b="0" i="0" u="none" strike="noStrike" cap="none" normalizeH="0" baseline="0" smtClean="0">
+            <a:endParaRPr kumimoji="0" lang="en-US" sz="2400" b="0" i="0" u="none" strike="noStrike" cap="none" normalizeH="0" baseline="0">
               <a:ln>
                 <a:noFill/>
               </a:ln>
@@ -5438,13 +5347,6 @@
   <p:clrMapOvr>
     <a:masterClrMapping/>
   </p:clrMapOvr>
-  <p:timing>
-    <p:tnLst>
-      <p:par>
-        <p:cTn id="1" dur="indefinite" restart="never" nodeType="tmRoot"/>
-      </p:par>
-    </p:tnLst>
-  </p:timing>
 </p:sld>
 </file>
 
@@ -5481,20 +5383,19 @@
           <a:lstStyle/>
           <a:p>
             <a:r>
-              <a:rPr lang="en-US" dirty="0" smtClean="0"/>
+              <a:rPr lang="en-US" dirty="0"/>
               <a:t>180</a:t>
             </a:r>
             <a:r>
-              <a:rPr lang="en-US" dirty="0" smtClean="0">
+              <a:rPr lang="en-US" dirty="0">
                 <a:latin typeface="Calibri" panose="020F0502020204030204" pitchFamily="34" charset="0"/>
               </a:rPr>
               <a:t>⁰</a:t>
             </a:r>
             <a:r>
-              <a:rPr lang="en-US" dirty="0" smtClean="0"/>
+              <a:rPr lang="en-US" dirty="0"/>
               <a:t> Hybrid</a:t>
             </a:r>
-            <a:endParaRPr lang="en-US" dirty="0"/>
           </a:p>
         </p:txBody>
       </p:sp>
@@ -5519,25 +5420,25 @@
           <a:lstStyle/>
           <a:p>
             <a:r>
-              <a:rPr lang="en-US" dirty="0" smtClean="0"/>
+              <a:rPr lang="en-US" dirty="0"/>
               <a:t>Can split power equally into two in-phase signals</a:t>
             </a:r>
           </a:p>
           <a:p>
             <a:r>
-              <a:rPr lang="en-US" u="sng" dirty="0" smtClean="0"/>
+              <a:rPr lang="en-US" u="sng" dirty="0"/>
               <a:t>Can also split power equally into two out-of-phase signals</a:t>
             </a:r>
           </a:p>
           <a:p>
             <a:r>
-              <a:rPr lang="en-US" dirty="0" smtClean="0"/>
+              <a:rPr lang="en-US" dirty="0"/>
               <a:t>Can be used to generate differential signal pairs</a:t>
             </a:r>
           </a:p>
           <a:p>
             <a:r>
-              <a:rPr lang="en-US" dirty="0" smtClean="0"/>
+              <a:rPr lang="en-US" dirty="0"/>
               <a:t>Can be used to generate sum and difference of two high frequency signals</a:t>
             </a:r>
           </a:p>
@@ -5639,7 +5540,7 @@
                     </m:oMath>
                   </m:oMathPara>
                 </a14:m>
-                <a:endParaRPr lang="en-US" dirty="0" smtClean="0">
+                <a:endParaRPr lang="en-US" dirty="0">
                   <a:solidFill>
                     <a:srgbClr val="0070C0"/>
                   </a:solidFill>
@@ -5808,7 +5709,7 @@
                     </m:oMath>
                   </m:oMathPara>
                 </a14:m>
-                <a:endParaRPr lang="en-US" dirty="0" smtClean="0">
+                <a:endParaRPr lang="en-US" dirty="0">
                   <a:solidFill>
                     <a:srgbClr val="0070C0"/>
                   </a:solidFill>
@@ -5907,7 +5808,7 @@
               <a:buNone/>
               <a:tabLst/>
             </a:pPr>
-            <a:endParaRPr kumimoji="0" lang="en-US" sz="2400" b="0" i="0" u="none" strike="noStrike" cap="none" normalizeH="0" baseline="0" smtClean="0">
+            <a:endParaRPr kumimoji="0" lang="en-US" sz="2400" b="0" i="0" u="none" strike="noStrike" cap="none" normalizeH="0" baseline="0">
               <a:ln>
                 <a:noFill/>
               </a:ln>
@@ -6097,7 +5998,7 @@
                       </m:oMath>
                     </m:oMathPara>
                   </a14:m>
-                  <a:endParaRPr lang="en-US" dirty="0" smtClean="0">
+                  <a:endParaRPr lang="en-US" dirty="0">
                     <a:solidFill>
                       <a:srgbClr val="0070C0"/>
                     </a:solidFill>
@@ -6275,7 +6176,7 @@
                       </m:oMath>
                     </m:oMathPara>
                   </a14:m>
-                  <a:endParaRPr lang="en-US" dirty="0" smtClean="0">
+                  <a:endParaRPr lang="en-US" dirty="0">
                     <a:solidFill>
                       <a:srgbClr val="0070C0"/>
                     </a:solidFill>
@@ -6335,13 +6236,6 @@
   <p:clrMapOvr>
     <a:masterClrMapping/>
   </p:clrMapOvr>
-  <p:timing>
-    <p:tnLst>
-      <p:par>
-        <p:cTn id="1" dur="indefinite" restart="never" nodeType="tmRoot"/>
-      </p:par>
-    </p:tnLst>
-  </p:timing>
 </p:sld>
 </file>
 
@@ -6378,20 +6272,19 @@
           <a:lstStyle/>
           <a:p>
             <a:r>
-              <a:rPr lang="en-US" dirty="0" smtClean="0"/>
+              <a:rPr lang="en-US" dirty="0"/>
               <a:t>180</a:t>
             </a:r>
             <a:r>
-              <a:rPr lang="en-US" dirty="0" smtClean="0">
+              <a:rPr lang="en-US" dirty="0">
                 <a:latin typeface="Calibri" panose="020F0502020204030204" pitchFamily="34" charset="0"/>
               </a:rPr>
               <a:t>⁰</a:t>
             </a:r>
             <a:r>
-              <a:rPr lang="en-US" dirty="0" smtClean="0"/>
+              <a:rPr lang="en-US" dirty="0"/>
               <a:t> Hybrid</a:t>
             </a:r>
-            <a:endParaRPr lang="en-US" dirty="0"/>
           </a:p>
         </p:txBody>
       </p:sp>
@@ -6416,25 +6309,25 @@
           <a:lstStyle/>
           <a:p>
             <a:r>
-              <a:rPr lang="en-US" dirty="0" smtClean="0"/>
+              <a:rPr lang="en-US" dirty="0"/>
               <a:t>Can split power equally into two in-phase signals</a:t>
             </a:r>
           </a:p>
           <a:p>
             <a:r>
-              <a:rPr lang="en-US" u="sng" dirty="0" smtClean="0"/>
+              <a:rPr lang="en-US" u="sng" dirty="0"/>
               <a:t>Can also split power equally into two out-of-phase signals</a:t>
             </a:r>
           </a:p>
           <a:p>
             <a:r>
-              <a:rPr lang="en-US" dirty="0" smtClean="0"/>
+              <a:rPr lang="en-US" dirty="0"/>
               <a:t>Can be used to generate differential signal pairs</a:t>
             </a:r>
           </a:p>
           <a:p>
             <a:r>
-              <a:rPr lang="en-US" dirty="0" smtClean="0"/>
+              <a:rPr lang="en-US" dirty="0"/>
               <a:t>Can be used to generate sum and difference of two high frequency signals</a:t>
             </a:r>
           </a:p>
@@ -6536,7 +6429,7 @@
                     </m:oMath>
                   </m:oMathPara>
                 </a14:m>
-                <a:endParaRPr lang="en-US" dirty="0" smtClean="0">
+                <a:endParaRPr lang="en-US" dirty="0">
                   <a:solidFill>
                     <a:srgbClr val="0070C0"/>
                   </a:solidFill>
@@ -6705,7 +6598,7 @@
                     </m:oMath>
                   </m:oMathPara>
                 </a14:m>
-                <a:endParaRPr lang="en-US" dirty="0" smtClean="0">
+                <a:endParaRPr lang="en-US" dirty="0">
                   <a:solidFill>
                     <a:srgbClr val="0070C0"/>
                   </a:solidFill>
@@ -6804,7 +6697,7 @@
               <a:buNone/>
               <a:tabLst/>
             </a:pPr>
-            <a:endParaRPr kumimoji="0" lang="en-US" sz="2400" b="0" i="0" u="none" strike="noStrike" cap="none" normalizeH="0" baseline="0" smtClean="0">
+            <a:endParaRPr kumimoji="0" lang="en-US" sz="2400" b="0" i="0" u="none" strike="noStrike" cap="none" normalizeH="0" baseline="0">
               <a:ln>
                 <a:noFill/>
               </a:ln>
@@ -6994,7 +6887,7 @@
                       </m:oMath>
                     </m:oMathPara>
                   </a14:m>
-                  <a:endParaRPr lang="en-US" dirty="0" smtClean="0">
+                  <a:endParaRPr lang="en-US" dirty="0">
                     <a:solidFill>
                       <a:srgbClr val="0070C0"/>
                     </a:solidFill>
@@ -7172,7 +7065,7 @@
                       </m:oMath>
                     </m:oMathPara>
                   </a14:m>
-                  <a:endParaRPr lang="en-US" dirty="0" smtClean="0">
+                  <a:endParaRPr lang="en-US" dirty="0">
                     <a:solidFill>
                       <a:srgbClr val="0070C0"/>
                     </a:solidFill>
@@ -7232,13 +7125,6 @@
   <p:clrMapOvr>
     <a:masterClrMapping/>
   </p:clrMapOvr>
-  <p:timing>
-    <p:tnLst>
-      <p:par>
-        <p:cTn id="1" dur="indefinite" restart="never" nodeType="tmRoot"/>
-      </p:par>
-    </p:tnLst>
-  </p:timing>
 </p:sld>
 </file>
 
@@ -7275,20 +7161,19 @@
           <a:lstStyle/>
           <a:p>
             <a:r>
-              <a:rPr lang="en-US" dirty="0" smtClean="0"/>
+              <a:rPr lang="en-US" dirty="0"/>
               <a:t>180</a:t>
             </a:r>
             <a:r>
-              <a:rPr lang="en-US" dirty="0" smtClean="0">
+              <a:rPr lang="en-US" dirty="0">
                 <a:latin typeface="Calibri" panose="020F0502020204030204" pitchFamily="34" charset="0"/>
               </a:rPr>
               <a:t>⁰</a:t>
             </a:r>
             <a:r>
-              <a:rPr lang="en-US" dirty="0" smtClean="0"/>
+              <a:rPr lang="en-US" dirty="0"/>
               <a:t> Hybrid</a:t>
             </a:r>
-            <a:endParaRPr lang="en-US" dirty="0"/>
           </a:p>
         </p:txBody>
       </p:sp>
@@ -7313,25 +7198,25 @@
           <a:lstStyle/>
           <a:p>
             <a:r>
-              <a:rPr lang="en-US" dirty="0" smtClean="0"/>
+              <a:rPr lang="en-US" dirty="0"/>
               <a:t>Can split power equally into two in-phase signals</a:t>
             </a:r>
           </a:p>
           <a:p>
             <a:r>
-              <a:rPr lang="en-US" dirty="0" smtClean="0"/>
+              <a:rPr lang="en-US" dirty="0"/>
               <a:t>Can also split power equally into two out-of-phase signals</a:t>
             </a:r>
           </a:p>
           <a:p>
             <a:r>
-              <a:rPr lang="en-US" dirty="0" smtClean="0"/>
+              <a:rPr lang="en-US" dirty="0"/>
               <a:t>Can be used to generate differential signal pairs</a:t>
             </a:r>
           </a:p>
           <a:p>
             <a:r>
-              <a:rPr lang="en-US" u="sng" dirty="0" smtClean="0"/>
+              <a:rPr lang="en-US" u="sng" dirty="0"/>
               <a:t>Can be used to generate sum and difference of two high frequency signals</a:t>
             </a:r>
           </a:p>
@@ -7433,7 +7318,7 @@
                     </m:oMath>
                   </m:oMathPara>
                 </a14:m>
-                <a:endParaRPr lang="en-US" dirty="0" smtClean="0">
+                <a:endParaRPr lang="en-US" dirty="0">
                   <a:solidFill>
                     <a:srgbClr val="0070C0"/>
                   </a:solidFill>
@@ -7552,7 +7437,7 @@
                     </m:oMath>
                   </m:oMathPara>
                 </a14:m>
-                <a:endParaRPr lang="en-US" dirty="0" smtClean="0">
+                <a:endParaRPr lang="en-US" dirty="0">
                   <a:solidFill>
                     <a:srgbClr val="0070C0"/>
                   </a:solidFill>
@@ -7651,7 +7536,7 @@
               <a:buNone/>
               <a:tabLst/>
             </a:pPr>
-            <a:endParaRPr kumimoji="0" lang="en-US" sz="2400" b="0" i="0" u="none" strike="noStrike" cap="none" normalizeH="0" baseline="0" smtClean="0">
+            <a:endParaRPr kumimoji="0" lang="en-US" sz="2400" b="0" i="0" u="none" strike="noStrike" cap="none" normalizeH="0" baseline="0">
               <a:ln>
                 <a:noFill/>
               </a:ln>
@@ -7714,7 +7599,7 @@
               <a:buNone/>
               <a:tabLst/>
             </a:pPr>
-            <a:endParaRPr kumimoji="0" lang="en-US" sz="2400" b="0" i="0" u="none" strike="noStrike" cap="none" normalizeH="0" baseline="0" smtClean="0">
+            <a:endParaRPr kumimoji="0" lang="en-US" sz="2400" b="0" i="0" u="none" strike="noStrike" cap="none" normalizeH="0" baseline="0">
               <a:ln>
                 <a:noFill/>
               </a:ln>
@@ -7940,7 +7825,7 @@
                     </m:oMath>
                   </m:oMathPara>
                 </a14:m>
-                <a:endParaRPr lang="en-US" dirty="0" smtClean="0">
+                <a:endParaRPr lang="en-US" dirty="0">
                   <a:solidFill>
                     <a:srgbClr val="0070C0"/>
                   </a:solidFill>
@@ -8202,7 +8087,7 @@
                     </m:oMath>
                   </m:oMathPara>
                 </a14:m>
-                <a:endParaRPr lang="en-US" dirty="0" smtClean="0">
+                <a:endParaRPr lang="en-US" dirty="0">
                   <a:solidFill>
                     <a:srgbClr val="0070C0"/>
                   </a:solidFill>
@@ -8261,13 +8146,6 @@
   <p:clrMapOvr>
     <a:masterClrMapping/>
   </p:clrMapOvr>
-  <p:timing>
-    <p:tnLst>
-      <p:par>
-        <p:cTn id="1" dur="indefinite" restart="never" nodeType="tmRoot"/>
-      </p:par>
-    </p:tnLst>
-  </p:timing>
 </p:sld>
 </file>
 
@@ -8304,10 +8182,9 @@
           <a:lstStyle/>
           <a:p>
             <a:r>
-              <a:rPr lang="en-US" dirty="0" smtClean="0"/>
+              <a:rPr lang="en-US" dirty="0"/>
               <a:t>Couplers</a:t>
             </a:r>
-            <a:endParaRPr lang="en-US" dirty="0"/>
           </a:p>
         </p:txBody>
       </p:sp>
@@ -8327,22 +8204,22 @@
           <a:lstStyle/>
           <a:p>
             <a:r>
-              <a:rPr lang="en-US" dirty="0" smtClean="0"/>
+              <a:rPr lang="en-US" dirty="0"/>
               <a:t>The 90⁰ and 180⁰ hybrids are special kind of a broader range of devices called </a:t>
             </a:r>
             <a:r>
-              <a:rPr lang="en-US" i="1" dirty="0" smtClean="0"/>
+              <a:rPr lang="en-US" i="1" dirty="0"/>
               <a:t>couplers</a:t>
             </a:r>
             <a:endParaRPr lang="en-US" dirty="0"/>
           </a:p>
           <a:p>
             <a:r>
-              <a:rPr lang="en-US" dirty="0" smtClean="0"/>
+              <a:rPr lang="en-US" dirty="0"/>
               <a:t>If the coupling ratio is 3-dB, then they are usually called </a:t>
             </a:r>
             <a:r>
-              <a:rPr lang="en-US" i="1" dirty="0" smtClean="0"/>
+              <a:rPr lang="en-US" i="1" dirty="0"/>
               <a:t>hybrids</a:t>
             </a:r>
           </a:p>
@@ -8439,7 +8316,7 @@
               <a:buNone/>
               <a:tabLst/>
             </a:pPr>
-            <a:endParaRPr kumimoji="0" lang="en-US" sz="2400" b="0" i="0" u="none" strike="noStrike" cap="none" normalizeH="0" baseline="0" smtClean="0">
+            <a:endParaRPr kumimoji="0" lang="en-US" sz="2400" b="0" i="0" u="none" strike="noStrike" cap="none" normalizeH="0" baseline="0">
               <a:ln>
                 <a:noFill/>
               </a:ln>
@@ -8475,7 +8352,7 @@
           <a:lstStyle/>
           <a:p>
             <a:r>
-              <a:rPr lang="en-US" dirty="0" smtClean="0">
+              <a:rPr lang="en-US" dirty="0">
                 <a:solidFill>
                   <a:srgbClr val="C00000"/>
                 </a:solidFill>
@@ -8534,13 +8411,6 @@
   <p:clrMapOvr>
     <a:masterClrMapping/>
   </p:clrMapOvr>
-  <p:timing>
-    <p:tnLst>
-      <p:par>
-        <p:cTn id="1" dur="indefinite" restart="never" nodeType="tmRoot"/>
-      </p:par>
-    </p:tnLst>
-  </p:timing>
 </p:sld>
 </file>
 
@@ -8577,10 +8447,9 @@
           <a:lstStyle/>
           <a:p>
             <a:r>
-              <a:rPr lang="en-US" dirty="0" smtClean="0"/>
+              <a:rPr lang="en-US" dirty="0"/>
               <a:t>Filters</a:t>
             </a:r>
-            <a:endParaRPr lang="en-US" dirty="0"/>
           </a:p>
         </p:txBody>
       </p:sp>
@@ -8604,13 +8473,13 @@
           <a:lstStyle/>
           <a:p>
             <a:r>
-              <a:rPr lang="en-US" dirty="0" smtClean="0"/>
+              <a:rPr lang="en-US" dirty="0"/>
               <a:t> Allow some signals to pass while rejecting others (in most cases)</a:t>
             </a:r>
           </a:p>
           <a:p>
             <a:r>
-              <a:rPr lang="en-US" dirty="0" smtClean="0"/>
+              <a:rPr lang="en-US" dirty="0"/>
               <a:t> Types of filters</a:t>
             </a:r>
           </a:p>
@@ -8671,7 +8540,7 @@
           <a:lstStyle/>
           <a:p>
             <a:r>
-              <a:rPr lang="en-US" sz="1600" dirty="0" err="1" smtClean="0">
+              <a:rPr lang="en-US" sz="1600" dirty="0" err="1">
                 <a:solidFill>
                   <a:srgbClr val="000000"/>
                 </a:solidFill>
@@ -8680,7 +8549,7 @@
               <a:t>Bandpass</a:t>
             </a:r>
             <a:r>
-              <a:rPr lang="en-US" sz="1600" dirty="0" smtClean="0">
+              <a:rPr lang="en-US" sz="1600" dirty="0">
                 <a:solidFill>
                   <a:srgbClr val="000000"/>
                 </a:solidFill>
@@ -8716,7 +8585,7 @@
           <a:lstStyle/>
           <a:p>
             <a:r>
-              <a:rPr lang="en-US" sz="1600" dirty="0" err="1" smtClean="0">
+              <a:rPr lang="en-US" sz="1600" dirty="0" err="1">
                 <a:solidFill>
                   <a:srgbClr val="000000"/>
                 </a:solidFill>
@@ -8725,7 +8594,7 @@
               <a:t>Bandstop</a:t>
             </a:r>
             <a:r>
-              <a:rPr lang="en-US" sz="1600" dirty="0" smtClean="0">
+              <a:rPr lang="en-US" sz="1600" dirty="0">
                 <a:solidFill>
                   <a:srgbClr val="000000"/>
                 </a:solidFill>
@@ -8761,7 +8630,7 @@
           <a:lstStyle/>
           <a:p>
             <a:r>
-              <a:rPr lang="en-US" sz="1600" dirty="0" err="1" smtClean="0">
+              <a:rPr lang="en-US" sz="1600" dirty="0" err="1">
                 <a:solidFill>
                   <a:srgbClr val="000000"/>
                 </a:solidFill>
@@ -8770,7 +8639,7 @@
               <a:t>Lowpass</a:t>
             </a:r>
             <a:r>
-              <a:rPr lang="en-US" sz="1600" dirty="0" smtClean="0">
+              <a:rPr lang="en-US" sz="1600" dirty="0">
                 <a:solidFill>
                   <a:srgbClr val="000000"/>
                 </a:solidFill>
@@ -8806,7 +8675,7 @@
           <a:lstStyle/>
           <a:p>
             <a:r>
-              <a:rPr lang="en-US" sz="1600" dirty="0" err="1" smtClean="0">
+              <a:rPr lang="en-US" sz="1600" dirty="0" err="1">
                 <a:solidFill>
                   <a:srgbClr val="000000"/>
                 </a:solidFill>
@@ -8815,7 +8684,7 @@
               <a:t>Highpass</a:t>
             </a:r>
             <a:r>
-              <a:rPr lang="en-US" sz="1600" dirty="0" smtClean="0">
+              <a:rPr lang="en-US" sz="1600" dirty="0">
                 <a:solidFill>
                   <a:srgbClr val="000000"/>
                 </a:solidFill>
@@ -8836,13 +8705,6 @@
   <p:clrMapOvr>
     <a:masterClrMapping/>
   </p:clrMapOvr>
-  <p:timing>
-    <p:tnLst>
-      <p:par>
-        <p:cTn id="1" dur="indefinite" restart="never" nodeType="tmRoot"/>
-      </p:par>
-    </p:tnLst>
-  </p:timing>
 </p:sld>
 </file>
 
@@ -8879,10 +8741,9 @@
           <a:lstStyle/>
           <a:p>
             <a:r>
-              <a:rPr lang="en-US" dirty="0" smtClean="0"/>
+              <a:rPr lang="en-US" dirty="0"/>
               <a:t>Filters</a:t>
             </a:r>
-            <a:endParaRPr lang="en-US" dirty="0"/>
           </a:p>
         </p:txBody>
       </p:sp>
@@ -8987,7 +8848,7 @@
               <a:buNone/>
               <a:tabLst/>
             </a:pPr>
-            <a:endParaRPr kumimoji="0" lang="en-US" sz="2400" b="0" i="0" u="none" strike="noStrike" cap="none" normalizeH="0" baseline="0" smtClean="0">
+            <a:endParaRPr kumimoji="0" lang="en-US" sz="2400" b="0" i="0" u="none" strike="noStrike" cap="none" normalizeH="0" baseline="0">
               <a:ln>
                 <a:noFill/>
               </a:ln>
@@ -9023,7 +8884,7 @@
           <a:lstStyle/>
           <a:p>
             <a:r>
-              <a:rPr lang="en-US" sz="2000" dirty="0" smtClean="0">
+              <a:rPr lang="en-US" sz="2000" dirty="0">
                 <a:solidFill>
                   <a:srgbClr val="FF0000"/>
                 </a:solidFill>
@@ -9057,7 +8918,7 @@
           <a:lstStyle/>
           <a:p>
             <a:r>
-              <a:rPr lang="en-US" sz="2000" dirty="0" smtClean="0">
+              <a:rPr lang="en-US" sz="2000" dirty="0">
                 <a:solidFill>
                   <a:srgbClr val="FF0000"/>
                 </a:solidFill>
@@ -9118,7 +8979,7 @@
               <a:buNone/>
               <a:tabLst/>
             </a:pPr>
-            <a:endParaRPr kumimoji="0" lang="en-US" sz="2400" b="0" i="0" u="none" strike="noStrike" cap="none" normalizeH="0" baseline="0" smtClean="0">
+            <a:endParaRPr kumimoji="0" lang="en-US" sz="2400" b="0" i="0" u="none" strike="noStrike" cap="none" normalizeH="0" baseline="0">
               <a:ln>
                 <a:noFill/>
               </a:ln>
@@ -9181,7 +9042,7 @@
               <a:buNone/>
               <a:tabLst/>
             </a:pPr>
-            <a:endParaRPr kumimoji="0" lang="en-US" sz="2400" b="0" i="0" u="none" strike="noStrike" cap="none" normalizeH="0" baseline="0" smtClean="0">
+            <a:endParaRPr kumimoji="0" lang="en-US" sz="2400" b="0" i="0" u="none" strike="noStrike" cap="none" normalizeH="0" baseline="0">
               <a:ln>
                 <a:noFill/>
               </a:ln>
@@ -9244,7 +9105,7 @@
               <a:buNone/>
               <a:tabLst/>
             </a:pPr>
-            <a:endParaRPr kumimoji="0" lang="en-US" sz="2400" b="0" i="0" u="none" strike="noStrike" cap="none" normalizeH="0" baseline="0" smtClean="0">
+            <a:endParaRPr kumimoji="0" lang="en-US" sz="2400" b="0" i="0" u="none" strike="noStrike" cap="none" normalizeH="0" baseline="0">
               <a:ln>
                 <a:noFill/>
               </a:ln>
@@ -9307,7 +9168,7 @@
               <a:buNone/>
               <a:tabLst/>
             </a:pPr>
-            <a:endParaRPr kumimoji="0" lang="en-US" sz="2400" b="0" i="0" u="none" strike="noStrike" cap="none" normalizeH="0" baseline="0" smtClean="0">
+            <a:endParaRPr kumimoji="0" lang="en-US" sz="2400" b="0" i="0" u="none" strike="noStrike" cap="none" normalizeH="0" baseline="0">
               <a:ln>
                 <a:noFill/>
               </a:ln>
@@ -9344,7 +9205,7 @@
           <a:p>
             <a:pPr algn="ctr"/>
             <a:r>
-              <a:rPr lang="en-US" sz="2000" dirty="0" smtClean="0">
+              <a:rPr lang="en-US" sz="2000" dirty="0">
                 <a:solidFill>
                   <a:srgbClr val="FF0000"/>
                 </a:solidFill>
@@ -9356,7 +9217,7 @@
           <a:p>
             <a:pPr algn="ctr"/>
             <a:r>
-              <a:rPr lang="en-US" sz="2000" dirty="0" smtClean="0">
+              <a:rPr lang="en-US" sz="2000" dirty="0">
                 <a:solidFill>
                   <a:srgbClr val="FF0000"/>
                 </a:solidFill>
@@ -9742,7 +9603,7 @@
               <a:buNone/>
             </a:pPr>
             <a:r>
-              <a:rPr lang="en-US" altLang="ko-KR" sz="1800" b="1" dirty="0" smtClean="0">
+              <a:rPr lang="en-US" altLang="ko-KR" sz="1800" b="1" dirty="0">
                 <a:solidFill>
                   <a:srgbClr val="000000"/>
                 </a:solidFill>
@@ -9752,14 +9613,6 @@
               </a:rPr>
               <a:t>Power</a:t>
             </a:r>
-            <a:endParaRPr lang="en-US" altLang="ko-KR" sz="1800" b="1" dirty="0">
-              <a:solidFill>
-                <a:srgbClr val="000000"/>
-              </a:solidFill>
-              <a:latin typeface="Arial" pitchFamily="34" charset="0"/>
-              <a:ea typeface="굴림" pitchFamily="34" charset="-127"/>
-              <a:cs typeface="Arial" pitchFamily="34" charset="0"/>
-            </a:endParaRPr>
           </a:p>
         </p:txBody>
       </p:sp>
@@ -9798,7 +9651,7 @@
               <a:buNone/>
             </a:pPr>
             <a:r>
-              <a:rPr lang="en-US" altLang="ko-KR" sz="1800" b="1" dirty="0" smtClean="0">
+              <a:rPr lang="en-US" altLang="ko-KR" sz="1800" b="1" dirty="0">
                 <a:solidFill>
                   <a:srgbClr val="000000"/>
                 </a:solidFill>
@@ -9808,14 +9661,6 @@
               </a:rPr>
               <a:t>Frequency</a:t>
             </a:r>
-            <a:endParaRPr lang="en-US" altLang="ko-KR" sz="1800" b="1" dirty="0">
-              <a:solidFill>
-                <a:srgbClr val="000000"/>
-              </a:solidFill>
-              <a:latin typeface="Arial" pitchFamily="34" charset="0"/>
-              <a:ea typeface="굴림" pitchFamily="34" charset="-127"/>
-              <a:cs typeface="Arial" pitchFamily="34" charset="0"/>
-            </a:endParaRPr>
           </a:p>
         </p:txBody>
       </p:sp>
@@ -10535,10 +10380,9 @@
           <a:lstStyle/>
           <a:p>
             <a:r>
-              <a:rPr lang="en-US" dirty="0" smtClean="0"/>
+              <a:rPr lang="en-US" dirty="0"/>
               <a:t>Power Splitters and Power Combiners</a:t>
             </a:r>
-            <a:endParaRPr lang="en-US" dirty="0"/>
           </a:p>
         </p:txBody>
       </p:sp>
@@ -10558,10 +10402,9 @@
           <a:lstStyle/>
           <a:p>
             <a:r>
-              <a:rPr lang="en-US" dirty="0" smtClean="0"/>
+              <a:rPr lang="en-US" dirty="0"/>
               <a:t>In high frequency circuits, you cannot arbitrarily split signals</a:t>
             </a:r>
-            <a:endParaRPr lang="en-US" dirty="0"/>
           </a:p>
         </p:txBody>
       </p:sp>
@@ -10615,7 +10458,7 @@
               <a:buNone/>
               <a:tabLst/>
             </a:pPr>
-            <a:endParaRPr kumimoji="0" lang="en-US" sz="2400" b="0" i="0" u="none" strike="noStrike" cap="none" normalizeH="0" baseline="0" smtClean="0">
+            <a:endParaRPr kumimoji="0" lang="en-US" sz="2400" b="0" i="0" u="none" strike="noStrike" cap="none" normalizeH="0" baseline="0">
               <a:ln>
                 <a:noFill/>
               </a:ln>
@@ -10678,7 +10521,7 @@
               <a:buNone/>
               <a:tabLst/>
             </a:pPr>
-            <a:endParaRPr kumimoji="0" lang="en-US" sz="2400" b="0" i="0" u="none" strike="noStrike" cap="none" normalizeH="0" baseline="0" smtClean="0">
+            <a:endParaRPr kumimoji="0" lang="en-US" sz="2400" b="0" i="0" u="none" strike="noStrike" cap="none" normalizeH="0" baseline="0">
               <a:ln>
                 <a:noFill/>
               </a:ln>
@@ -12332,7 +12175,7 @@
               <a:buNone/>
               <a:tabLst/>
             </a:pPr>
-            <a:endParaRPr kumimoji="0" lang="en-US" sz="2400" b="0" i="0" u="none" strike="noStrike" cap="none" normalizeH="0" baseline="0" smtClean="0">
+            <a:endParaRPr kumimoji="0" lang="en-US" sz="2400" b="0" i="0" u="none" strike="noStrike" cap="none" normalizeH="0" baseline="0">
               <a:ln>
                 <a:noFill/>
               </a:ln>
@@ -12368,7 +12211,7 @@
           <a:lstStyle/>
           <a:p>
             <a:r>
-              <a:rPr lang="en-US" dirty="0" smtClean="0">
+              <a:rPr lang="en-US" dirty="0">
                 <a:solidFill>
                   <a:srgbClr val="000000"/>
                 </a:solidFill>
@@ -12378,7 +12221,7 @@
               <a:t>50 </a:t>
             </a:r>
             <a:r>
-              <a:rPr lang="el-GR" dirty="0" smtClean="0">
+              <a:rPr lang="el-GR" dirty="0">
                 <a:solidFill>
                   <a:srgbClr val="000000"/>
                 </a:solidFill>
@@ -12387,7 +12230,7 @@
               </a:rPr>
               <a:t>Ω</a:t>
             </a:r>
-            <a:endParaRPr lang="en-US" dirty="0" smtClean="0">
+            <a:endParaRPr lang="en-US" dirty="0">
               <a:solidFill>
                 <a:srgbClr val="000000"/>
               </a:solidFill>
@@ -12420,7 +12263,7 @@
           <a:lstStyle/>
           <a:p>
             <a:r>
-              <a:rPr lang="en-US" dirty="0" smtClean="0">
+              <a:rPr lang="en-US" dirty="0">
                 <a:solidFill>
                   <a:srgbClr val="000000"/>
                 </a:solidFill>
@@ -12430,7 +12273,7 @@
               <a:t>50 </a:t>
             </a:r>
             <a:r>
-              <a:rPr lang="el-GR" dirty="0" smtClean="0">
+              <a:rPr lang="el-GR" dirty="0">
                 <a:solidFill>
                   <a:srgbClr val="000000"/>
                 </a:solidFill>
@@ -12439,7 +12282,7 @@
               </a:rPr>
               <a:t>Ω</a:t>
             </a:r>
-            <a:endParaRPr lang="en-US" dirty="0" smtClean="0">
+            <a:endParaRPr lang="en-US" dirty="0">
               <a:solidFill>
                 <a:srgbClr val="000000"/>
               </a:solidFill>
@@ -12472,7 +12315,7 @@
           <a:lstStyle/>
           <a:p>
             <a:r>
-              <a:rPr lang="en-US" dirty="0" smtClean="0">
+              <a:rPr lang="en-US" dirty="0">
                 <a:solidFill>
                   <a:srgbClr val="000000"/>
                 </a:solidFill>
@@ -12482,7 +12325,7 @@
               <a:t>50 </a:t>
             </a:r>
             <a:r>
-              <a:rPr lang="el-GR" dirty="0" smtClean="0">
+              <a:rPr lang="el-GR" dirty="0">
                 <a:solidFill>
                   <a:srgbClr val="000000"/>
                 </a:solidFill>
@@ -12491,7 +12334,7 @@
               </a:rPr>
               <a:t>Ω</a:t>
             </a:r>
-            <a:endParaRPr lang="en-US" dirty="0" smtClean="0">
+            <a:endParaRPr lang="en-US" dirty="0">
               <a:solidFill>
                 <a:srgbClr val="000000"/>
               </a:solidFill>
@@ -12524,7 +12367,7 @@
           <a:lstStyle/>
           <a:p>
             <a:r>
-              <a:rPr lang="en-US" dirty="0" smtClean="0">
+              <a:rPr lang="en-US" dirty="0">
                 <a:solidFill>
                   <a:srgbClr val="000000"/>
                 </a:solidFill>
@@ -12534,7 +12377,7 @@
               <a:t>50 </a:t>
             </a:r>
             <a:r>
-              <a:rPr lang="el-GR" dirty="0" smtClean="0">
+              <a:rPr lang="el-GR" dirty="0">
                 <a:solidFill>
                   <a:srgbClr val="000000"/>
                 </a:solidFill>
@@ -12543,7 +12386,7 @@
               </a:rPr>
               <a:t>Ω</a:t>
             </a:r>
-            <a:endParaRPr lang="en-US" dirty="0" smtClean="0">
+            <a:endParaRPr lang="en-US" dirty="0">
               <a:solidFill>
                 <a:srgbClr val="000000"/>
               </a:solidFill>
@@ -12576,7 +12419,7 @@
           <a:lstStyle/>
           <a:p>
             <a:r>
-              <a:rPr lang="en-US" dirty="0" smtClean="0">
+              <a:rPr lang="en-US" dirty="0">
                 <a:solidFill>
                   <a:srgbClr val="000000"/>
                 </a:solidFill>
@@ -12586,7 +12429,7 @@
               <a:t>50 </a:t>
             </a:r>
             <a:r>
-              <a:rPr lang="el-GR" dirty="0" smtClean="0">
+              <a:rPr lang="el-GR" dirty="0">
                 <a:solidFill>
                   <a:srgbClr val="000000"/>
                 </a:solidFill>
@@ -12595,7 +12438,7 @@
               </a:rPr>
               <a:t>Ω</a:t>
             </a:r>
-            <a:endParaRPr lang="en-US" dirty="0" smtClean="0">
+            <a:endParaRPr lang="en-US" dirty="0">
               <a:solidFill>
                 <a:srgbClr val="000000"/>
               </a:solidFill>
@@ -12628,7 +12471,7 @@
           <a:lstStyle/>
           <a:p>
             <a:r>
-              <a:rPr lang="en-US" dirty="0" smtClean="0">
+              <a:rPr lang="en-US" dirty="0">
                 <a:solidFill>
                   <a:srgbClr val="000000"/>
                 </a:solidFill>
@@ -12638,7 +12481,7 @@
               <a:t>50 </a:t>
             </a:r>
             <a:r>
-              <a:rPr lang="el-GR" dirty="0" smtClean="0">
+              <a:rPr lang="el-GR" dirty="0">
                 <a:solidFill>
                   <a:srgbClr val="000000"/>
                 </a:solidFill>
@@ -12647,7 +12490,7 @@
               </a:rPr>
               <a:t>Ω</a:t>
             </a:r>
-            <a:endParaRPr lang="en-US" dirty="0" smtClean="0">
+            <a:endParaRPr lang="en-US" dirty="0">
               <a:solidFill>
                 <a:srgbClr val="000000"/>
               </a:solidFill>
@@ -12680,7 +12523,7 @@
           <a:lstStyle/>
           <a:p>
             <a:r>
-              <a:rPr lang="en-US" sz="3000" i="1" dirty="0" smtClean="0">
+              <a:rPr lang="en-US" sz="3000" i="1" dirty="0">
                 <a:solidFill>
                   <a:schemeClr val="bg1"/>
                 </a:solidFill>
@@ -12690,7 +12533,7 @@
               <a:t>P</a:t>
             </a:r>
             <a:r>
-              <a:rPr lang="en-US" sz="3000" i="1" baseline="-25000" dirty="0" smtClean="0">
+              <a:rPr lang="en-US" sz="3000" i="1" baseline="-25000" dirty="0">
                 <a:solidFill>
                   <a:schemeClr val="bg1"/>
                 </a:solidFill>
@@ -12725,7 +12568,7 @@
           <a:lstStyle/>
           <a:p>
             <a:r>
-              <a:rPr lang="en-US" sz="3000" i="1" dirty="0" smtClean="0">
+              <a:rPr lang="en-US" sz="3000" i="1" dirty="0">
                 <a:solidFill>
                   <a:schemeClr val="bg1"/>
                 </a:solidFill>
@@ -12735,7 +12578,7 @@
               <a:t>P</a:t>
             </a:r>
             <a:r>
-              <a:rPr lang="en-US" sz="3000" i="1" baseline="-25000" dirty="0" smtClean="0">
+              <a:rPr lang="en-US" sz="3000" i="1" baseline="-25000" dirty="0">
                 <a:solidFill>
                   <a:schemeClr val="bg1"/>
                 </a:solidFill>
@@ -12745,7 +12588,7 @@
               <a:t>1</a:t>
             </a:r>
             <a:r>
-              <a:rPr lang="en-US" sz="3000" i="1" dirty="0" smtClean="0">
+              <a:rPr lang="en-US" sz="3000" i="1" dirty="0">
                 <a:solidFill>
                   <a:schemeClr val="bg1"/>
                 </a:solidFill>
@@ -12780,7 +12623,7 @@
           <a:lstStyle/>
           <a:p>
             <a:r>
-              <a:rPr lang="en-US" sz="3000" i="1" dirty="0" smtClean="0">
+              <a:rPr lang="en-US" sz="3000" i="1" dirty="0">
                 <a:solidFill>
                   <a:schemeClr val="bg1"/>
                 </a:solidFill>
@@ -12800,7 +12643,7 @@
               <a:t>2</a:t>
             </a:r>
             <a:r>
-              <a:rPr lang="en-US" sz="3000" i="1" dirty="0" smtClean="0">
+              <a:rPr lang="en-US" sz="3000" i="1" dirty="0">
                 <a:solidFill>
                   <a:schemeClr val="bg1"/>
                 </a:solidFill>
@@ -12822,13 +12665,6 @@
   <p:clrMapOvr>
     <a:masterClrMapping/>
   </p:clrMapOvr>
-  <p:timing>
-    <p:tnLst>
-      <p:par>
-        <p:cTn id="1" dur="indefinite" restart="never" nodeType="tmRoot"/>
-      </p:par>
-    </p:tnLst>
-  </p:timing>
 </p:sld>
 </file>
 
@@ -12865,10 +12701,9 @@
           <a:lstStyle/>
           <a:p>
             <a:r>
-              <a:rPr lang="en-US" dirty="0" smtClean="0"/>
+              <a:rPr lang="en-US" dirty="0"/>
               <a:t>Filters</a:t>
             </a:r>
-            <a:endParaRPr lang="en-US" dirty="0"/>
           </a:p>
         </p:txBody>
       </p:sp>
@@ -12892,7 +12727,7 @@
           <a:lstStyle/>
           <a:p>
             <a:r>
-              <a:rPr lang="en-US" sz="2400" dirty="0" smtClean="0"/>
+              <a:rPr lang="en-US" sz="2400" dirty="0"/>
               <a:t> Specifications</a:t>
             </a:r>
           </a:p>
@@ -12946,7 +12781,7 @@
           <a:lstStyle/>
           <a:p>
             <a:r>
-              <a:rPr lang="en-US" sz="1200" dirty="0" smtClean="0">
+              <a:rPr lang="en-US" sz="1200" dirty="0">
                 <a:hlinkClick r:id="rId3"/>
               </a:rPr>
               <a:t>http://e2e.ti.com/support/development_tools/webench_design_center/f/399/t/87122.aspx</a:t>
@@ -12978,7 +12813,7 @@
           <a:p>
             <a:pPr algn="ctr"/>
             <a:r>
-              <a:rPr lang="en-US" b="1" dirty="0" smtClean="0">
+              <a:rPr lang="en-US" b="1" dirty="0">
                 <a:solidFill>
                   <a:srgbClr val="000000"/>
                 </a:solidFill>
@@ -13013,7 +12848,7 @@
           <a:lstStyle/>
           <a:p>
             <a:r>
-              <a:rPr lang="en-US" b="1" dirty="0" smtClean="0">
+              <a:rPr lang="en-US" b="1" dirty="0">
                 <a:solidFill>
                   <a:srgbClr val="000000"/>
                 </a:solidFill>
@@ -13034,13 +12869,6 @@
   <p:clrMapOvr>
     <a:masterClrMapping/>
   </p:clrMapOvr>
-  <p:timing>
-    <p:tnLst>
-      <p:par>
-        <p:cTn id="1" dur="indefinite" restart="never" nodeType="tmRoot"/>
-      </p:par>
-    </p:tnLst>
-  </p:timing>
 </p:sld>
 </file>
 
@@ -13077,10 +12905,9 @@
           <a:lstStyle/>
           <a:p>
             <a:r>
-              <a:rPr lang="en-US" dirty="0" smtClean="0"/>
+              <a:rPr lang="en-US" dirty="0"/>
               <a:t>Filters</a:t>
             </a:r>
-            <a:endParaRPr lang="en-US" dirty="0"/>
           </a:p>
         </p:txBody>
       </p:sp>
@@ -13326,10 +13153,9 @@
           <a:lstStyle/>
           <a:p>
             <a:r>
-              <a:rPr lang="en-US" dirty="0" smtClean="0"/>
+              <a:rPr lang="en-US" dirty="0"/>
               <a:t>Diplexer</a:t>
             </a:r>
-            <a:endParaRPr lang="en-US" dirty="0"/>
           </a:p>
         </p:txBody>
       </p:sp>
@@ -13349,10 +13175,9 @@
           <a:lstStyle/>
           <a:p>
             <a:r>
-              <a:rPr lang="en-US" dirty="0" smtClean="0"/>
+              <a:rPr lang="en-US" dirty="0"/>
               <a:t>Special kind of filter combination that allow separation of frequencies</a:t>
             </a:r>
-            <a:endParaRPr lang="en-US" dirty="0"/>
           </a:p>
         </p:txBody>
       </p:sp>
@@ -13407,29 +13232,7 @@
                 <a:ea typeface="宋体" pitchFamily="2" charset="-122"/>
                 <a:cs typeface="Arial" pitchFamily="34" charset="0"/>
               </a:rPr>
-              <a:t>The front-end band-select </a:t>
-            </a:r>
-            <a:r>
-              <a:rPr lang="en-US" altLang="zh-CN" sz="2000" kern="0" baseline="0" dirty="0" smtClean="0">
-                <a:solidFill>
-                  <a:srgbClr val="000000"/>
-                </a:solidFill>
-                <a:latin typeface="Arial" pitchFamily="34" charset="0"/>
-                <a:ea typeface="宋体" pitchFamily="2" charset="-122"/>
-                <a:cs typeface="Arial" pitchFamily="34" charset="0"/>
-              </a:rPr>
-              <a:t>filter (diplexer) </a:t>
-            </a:r>
-            <a:r>
-              <a:rPr lang="en-US" altLang="zh-CN" sz="2000" kern="0" baseline="0" dirty="0">
-                <a:solidFill>
-                  <a:srgbClr val="000000"/>
-                </a:solidFill>
-                <a:latin typeface="Arial" pitchFamily="34" charset="0"/>
-                <a:ea typeface="宋体" pitchFamily="2" charset="-122"/>
-                <a:cs typeface="Arial" pitchFamily="34" charset="0"/>
-              </a:rPr>
-              <a:t>suffers from a trade-off between its </a:t>
+              <a:t>The front-end band-select filter (diplexer) suffers from a trade-off between its </a:t>
             </a:r>
             <a:r>
               <a:rPr lang="en-US" altLang="zh-CN" sz="2000" b="1" kern="0" baseline="0" dirty="0">
@@ -13451,21 +13254,10 @@
                 <a:ea typeface="宋体" pitchFamily="2" charset="-122"/>
                 <a:cs typeface="Arial" pitchFamily="34" charset="0"/>
               </a:rPr>
-              <a:t> and its </a:t>
-            </a:r>
-            <a:r>
-              <a:rPr lang="en-US" altLang="zh-CN" sz="2000" kern="0" baseline="0" dirty="0" smtClean="0">
-                <a:solidFill>
-                  <a:srgbClr val="000000"/>
-                </a:solidFill>
-                <a:latin typeface="Arial" pitchFamily="34" charset="0"/>
-                <a:ea typeface="宋体" pitchFamily="2" charset="-122"/>
-                <a:cs typeface="Arial" pitchFamily="34" charset="0"/>
-              </a:rPr>
-              <a:t>in-band </a:t>
-            </a:r>
-            <a:r>
-              <a:rPr lang="en-US" altLang="zh-CN" sz="2000" b="1" kern="0" baseline="0" dirty="0" smtClean="0">
+              <a:t> and its in-band </a:t>
+            </a:r>
+            <a:r>
+              <a:rPr lang="en-US" altLang="zh-CN" sz="2000" b="1" kern="0" baseline="0" dirty="0">
                 <a:solidFill>
                   <a:srgbClr val="000000"/>
                 </a:solidFill>
@@ -13537,13 +13329,6 @@
   <p:clrMapOvr>
     <a:masterClrMapping/>
   </p:clrMapOvr>
-  <p:timing>
-    <p:tnLst>
-      <p:par>
-        <p:cTn id="1" dur="indefinite" restart="never" nodeType="tmRoot"/>
-      </p:par>
-    </p:tnLst>
-  </p:timing>
 </p:sld>
 </file>
 
@@ -13582,18 +13367,17 @@
           <a:lstStyle/>
           <a:p>
             <a:r>
-              <a:rPr lang="en-US" dirty="0" smtClean="0"/>
+              <a:rPr lang="en-US" dirty="0"/>
               <a:t>Frequency Division </a:t>
             </a:r>
             <a:r>
-              <a:rPr lang="en-US" dirty="0" err="1" smtClean="0"/>
+              <a:rPr lang="en-US" dirty="0" err="1"/>
               <a:t>Duplexing</a:t>
             </a:r>
             <a:r>
-              <a:rPr lang="en-US" dirty="0" smtClean="0"/>
+              <a:rPr lang="en-US" dirty="0"/>
               <a:t> (FDD)</a:t>
             </a:r>
-            <a:endParaRPr lang="en-US" dirty="0"/>
           </a:p>
         </p:txBody>
       </p:sp>
@@ -13617,10 +13401,9 @@
           <a:lstStyle/>
           <a:p>
             <a:r>
-              <a:rPr lang="en-US" dirty="0" smtClean="0"/>
+              <a:rPr lang="en-US" dirty="0"/>
               <a:t> Two frequency bands for transmit and receive</a:t>
             </a:r>
-            <a:endParaRPr lang="en-US" dirty="0"/>
           </a:p>
         </p:txBody>
       </p:sp>
@@ -13679,7 +13462,7 @@
           <a:lstStyle/>
           <a:p>
             <a:r>
-              <a:rPr lang="en-US" dirty="0" smtClean="0">
+              <a:rPr lang="en-US" dirty="0">
                 <a:solidFill>
                   <a:srgbClr val="000000"/>
                 </a:solidFill>
@@ -13713,7 +13496,7 @@
           <a:lstStyle/>
           <a:p>
             <a:r>
-              <a:rPr lang="en-US" dirty="0" smtClean="0">
+              <a:rPr lang="en-US" dirty="0">
                 <a:solidFill>
                   <a:srgbClr val="000000"/>
                 </a:solidFill>
@@ -13734,13 +13517,6 @@
   <p:clrMapOvr>
     <a:masterClrMapping/>
   </p:clrMapOvr>
-  <p:timing>
-    <p:tnLst>
-      <p:par>
-        <p:cTn id="1" dur="indefinite" restart="never" nodeType="tmRoot"/>
-      </p:par>
-    </p:tnLst>
-  </p:timing>
 </p:sld>
 </file>
 
@@ -13777,10 +13553,9 @@
           <a:lstStyle/>
           <a:p>
             <a:r>
-              <a:rPr lang="en-US" dirty="0" smtClean="0"/>
+              <a:rPr lang="en-US" dirty="0"/>
               <a:t>GSM Example</a:t>
             </a:r>
-            <a:endParaRPr lang="en-US" dirty="0"/>
           </a:p>
         </p:txBody>
       </p:sp>
@@ -13879,7 +13654,7 @@
               <a:buNone/>
               <a:tabLst/>
             </a:pPr>
-            <a:endParaRPr kumimoji="0" lang="en-US" sz="2400" b="0" i="0" u="none" strike="noStrike" cap="none" normalizeH="0" baseline="0" smtClean="0">
+            <a:endParaRPr kumimoji="0" lang="en-US" sz="2400" b="0" i="0" u="none" strike="noStrike" cap="none" normalizeH="0" baseline="0">
               <a:ln>
                 <a:noFill/>
               </a:ln>
@@ -13954,7 +13729,7 @@
           <a:lstStyle/>
           <a:p>
             <a:r>
-              <a:rPr lang="en-US" sz="2000" dirty="0" smtClean="0">
+              <a:rPr lang="en-US" sz="2000" dirty="0">
                 <a:solidFill>
                   <a:srgbClr val="0070C0"/>
                 </a:solidFill>
@@ -13976,13 +13751,6 @@
   <p:clrMapOvr>
     <a:masterClrMapping/>
   </p:clrMapOvr>
-  <p:timing>
-    <p:tnLst>
-      <p:par>
-        <p:cTn id="1" dur="indefinite" restart="never" nodeType="tmRoot"/>
-      </p:par>
-    </p:tnLst>
-  </p:timing>
 </p:sld>
 </file>
 
@@ -14019,10 +13787,9 @@
           <a:lstStyle/>
           <a:p>
             <a:r>
-              <a:rPr lang="en-US" dirty="0" smtClean="0"/>
+              <a:rPr lang="en-US" dirty="0"/>
               <a:t>Diplexer and Duplexer</a:t>
             </a:r>
-            <a:endParaRPr lang="en-US" dirty="0"/>
           </a:p>
         </p:txBody>
       </p:sp>
@@ -14046,38 +13813,37 @@
           <a:lstStyle/>
           <a:p>
             <a:r>
-              <a:rPr lang="en-US" dirty="0" smtClean="0"/>
+              <a:rPr lang="en-US" dirty="0"/>
               <a:t> Duplexer</a:t>
             </a:r>
             <a:r>
-              <a:rPr lang="en-US" b="0" dirty="0" smtClean="0"/>
+              <a:rPr lang="en-US" b="0" dirty="0"/>
               <a:t> is a device that enables duplexing, i.e. transmit and receive simultaneously</a:t>
             </a:r>
           </a:p>
           <a:p>
             <a:r>
-              <a:rPr lang="en-US" dirty="0" smtClean="0"/>
+              <a:rPr lang="en-US" dirty="0"/>
               <a:t> Diplexer </a:t>
             </a:r>
             <a:r>
-              <a:rPr lang="en-US" b="0" dirty="0" smtClean="0"/>
+              <a:rPr lang="en-US" b="0" dirty="0"/>
               <a:t>often refers to a device that directs signals of different frequencies to different paths</a:t>
             </a:r>
           </a:p>
           <a:p>
             <a:r>
-              <a:rPr lang="en-US" dirty="0" smtClean="0"/>
+              <a:rPr lang="en-US" dirty="0"/>
               <a:t> Diplexer </a:t>
             </a:r>
             <a:r>
-              <a:rPr lang="en-US" b="0" dirty="0" smtClean="0"/>
+              <a:rPr lang="en-US" b="0" dirty="0"/>
               <a:t>can be used as a </a:t>
             </a:r>
             <a:r>
-              <a:rPr lang="en-US" dirty="0" smtClean="0"/>
+              <a:rPr lang="en-US" dirty="0"/>
               <a:t>Duplexer</a:t>
             </a:r>
-            <a:endParaRPr lang="en-US" dirty="0"/>
           </a:p>
         </p:txBody>
       </p:sp>
@@ -14091,13 +13857,6 @@
   <p:clrMapOvr>
     <a:masterClrMapping/>
   </p:clrMapOvr>
-  <p:timing>
-    <p:tnLst>
-      <p:par>
-        <p:cTn id="1" dur="indefinite" restart="never" nodeType="tmRoot"/>
-      </p:par>
-    </p:tnLst>
-  </p:timing>
 </p:sld>
 </file>
 
@@ -14136,18 +13895,17 @@
           <a:lstStyle/>
           <a:p>
             <a:r>
-              <a:rPr lang="en-US" dirty="0" smtClean="0"/>
+              <a:rPr lang="en-US" dirty="0"/>
               <a:t>Time Division </a:t>
             </a:r>
             <a:r>
-              <a:rPr lang="en-US" dirty="0" err="1" smtClean="0"/>
+              <a:rPr lang="en-US" dirty="0" err="1"/>
               <a:t>Duplexing</a:t>
             </a:r>
             <a:r>
-              <a:rPr lang="en-US" dirty="0" smtClean="0"/>
+              <a:rPr lang="en-US" dirty="0"/>
               <a:t> (TDD)</a:t>
             </a:r>
-            <a:endParaRPr lang="en-US" dirty="0"/>
           </a:p>
         </p:txBody>
       </p:sp>
@@ -14171,10 +13929,9 @@
           <a:lstStyle/>
           <a:p>
             <a:r>
-              <a:rPr lang="en-US" dirty="0" smtClean="0"/>
+              <a:rPr lang="en-US" dirty="0"/>
               <a:t> Transmit and receive separated in time</a:t>
             </a:r>
-            <a:endParaRPr lang="en-US" dirty="0"/>
           </a:p>
         </p:txBody>
       </p:sp>
@@ -14260,7 +14017,7 @@
               <a:buNone/>
               <a:tabLst/>
             </a:pPr>
-            <a:endParaRPr kumimoji="0" lang="en-US" sz="2400" b="0" i="0" u="none" strike="noStrike" cap="none" normalizeH="0" baseline="0" smtClean="0">
+            <a:endParaRPr kumimoji="0" lang="en-US" sz="2400" b="0" i="0" u="none" strike="noStrike" cap="none" normalizeH="0" baseline="0">
               <a:ln>
                 <a:noFill/>
               </a:ln>
@@ -14335,7 +14092,7 @@
           <a:lstStyle/>
           <a:p>
             <a:r>
-              <a:rPr lang="en-US" dirty="0" smtClean="0">
+              <a:rPr lang="en-US" dirty="0">
                 <a:solidFill>
                   <a:srgbClr val="002060"/>
                 </a:solidFill>
@@ -14685,10 +14442,9 @@
           <a:lstStyle/>
           <a:p>
             <a:r>
-              <a:rPr lang="en-US" dirty="0" smtClean="0"/>
+              <a:rPr lang="en-US" dirty="0"/>
               <a:t>Example: Bluetooth</a:t>
             </a:r>
-            <a:endParaRPr lang="en-US" dirty="0"/>
           </a:p>
         </p:txBody>
       </p:sp>
@@ -14708,7 +14464,7 @@
           <a:lstStyle/>
           <a:p>
             <a:r>
-              <a:rPr lang="en-US" dirty="0" smtClean="0"/>
+              <a:rPr lang="en-US" dirty="0"/>
               <a:t>Bluetooth: </a:t>
             </a:r>
             <a:r>
@@ -14768,13 +14524,6 @@
   <p:clrMapOvr>
     <a:masterClrMapping/>
   </p:clrMapOvr>
-  <p:timing>
-    <p:tnLst>
-      <p:par>
-        <p:cTn id="1" dur="indefinite" restart="never" nodeType="tmRoot"/>
-      </p:par>
-    </p:tnLst>
-  </p:timing>
 </p:sld>
 </file>
 
@@ -14811,10 +14560,9 @@
           <a:lstStyle/>
           <a:p>
             <a:r>
-              <a:rPr lang="en-US" dirty="0" smtClean="0"/>
+              <a:rPr lang="en-US" dirty="0"/>
               <a:t>FDD vs. TDD</a:t>
             </a:r>
-            <a:endParaRPr lang="en-US" dirty="0"/>
           </a:p>
         </p:txBody>
       </p:sp>
@@ -14850,32 +14598,14 @@
           <a:p>
             <a:r>
               <a:rPr lang="en-US" altLang="zh-CN" dirty="0"/>
-              <a:t>FDD: spectral leakage to adjacent channels in the transmitter </a:t>
-            </a:r>
-            <a:r>
-              <a:rPr lang="en-US" altLang="zh-CN" dirty="0" smtClean="0"/>
-              <a:t>output; part </a:t>
-            </a:r>
-            <a:r>
-              <a:rPr lang="en-US" altLang="zh-CN" dirty="0"/>
-              <a:t>of the transmitted signal that leak into the receive band are attenuated by typically only about 50 </a:t>
-            </a:r>
-            <a:r>
-              <a:rPr lang="en-US" altLang="zh-CN" dirty="0" smtClean="0"/>
-              <a:t>dB maximum)</a:t>
-            </a:r>
-            <a:endParaRPr lang="en-US" altLang="zh-CN" dirty="0"/>
+              <a:t>FDD: spectral leakage to adjacent channels in the transmitter output; part of the transmitted signal that leak into the receive band are attenuated by typically only about 50 dB maximum)</a:t>
+            </a:r>
           </a:p>
           <a:p>
             <a:r>
               <a:rPr lang="en-US" altLang="zh-CN" dirty="0"/>
-              <a:t>FDD: owing to the trade-off between the loss and the quality factor of filters, the loss of the duplexer is typically quite higher than that of a TDD switch</a:t>
-            </a:r>
-            <a:r>
-              <a:rPr lang="en-US" altLang="zh-CN" dirty="0" smtClean="0"/>
-              <a:t>.</a:t>
-            </a:r>
-            <a:endParaRPr lang="en-US" altLang="zh-CN" dirty="0"/>
+              <a:t>FDD: owing to the trade-off between the loss and the quality factor of filters, the loss of the duplexer is typically quite higher than that of a TDD switch.</a:t>
+            </a:r>
           </a:p>
         </p:txBody>
       </p:sp>
@@ -14921,13 +14651,6 @@
   <p:clrMapOvr>
     <a:masterClrMapping/>
   </p:clrMapOvr>
-  <p:timing>
-    <p:tnLst>
-      <p:par>
-        <p:cTn id="1" dur="indefinite" restart="never" nodeType="tmRoot"/>
-      </p:par>
-    </p:tnLst>
-  </p:timing>
 </p:sld>
 </file>
 
@@ -14964,10 +14687,9 @@
           <a:lstStyle/>
           <a:p>
             <a:r>
-              <a:rPr lang="en-US" dirty="0" smtClean="0"/>
+              <a:rPr lang="en-US" dirty="0"/>
               <a:t>FDD vs. TDD</a:t>
             </a:r>
-            <a:endParaRPr lang="en-US" dirty="0"/>
           </a:p>
         </p:txBody>
       </p:sp>
@@ -15062,13 +14784,6 @@
   <p:clrMapOvr>
     <a:masterClrMapping/>
   </p:clrMapOvr>
-  <p:timing>
-    <p:tnLst>
-      <p:par>
-        <p:cTn id="1" dur="indefinite" restart="never" nodeType="tmRoot"/>
-      </p:par>
-    </p:tnLst>
-  </p:timing>
 </p:sld>
 </file>
 
@@ -15105,10 +14820,9 @@
           <a:lstStyle/>
           <a:p>
             <a:r>
-              <a:rPr lang="en-US" dirty="0" smtClean="0"/>
+              <a:rPr lang="en-US" dirty="0"/>
               <a:t>Power Splitters and Power Combiners</a:t>
             </a:r>
-            <a:endParaRPr lang="en-US" dirty="0"/>
           </a:p>
         </p:txBody>
       </p:sp>
@@ -15128,10 +14842,9 @@
           <a:lstStyle/>
           <a:p>
             <a:r>
-              <a:rPr lang="en-US" dirty="0" smtClean="0"/>
+              <a:rPr lang="en-US" dirty="0"/>
               <a:t>So what is the proper way to split RF signals?</a:t>
             </a:r>
-            <a:endParaRPr lang="en-US" dirty="0"/>
           </a:p>
         </p:txBody>
       </p:sp>
@@ -15185,7 +14898,7 @@
               <a:buNone/>
               <a:tabLst/>
             </a:pPr>
-            <a:endParaRPr kumimoji="0" lang="en-US" sz="2400" b="0" i="0" u="none" strike="noStrike" cap="none" normalizeH="0" baseline="0" smtClean="0">
+            <a:endParaRPr kumimoji="0" lang="en-US" sz="2400" b="0" i="0" u="none" strike="noStrike" cap="none" normalizeH="0" baseline="0">
               <a:ln>
                 <a:noFill/>
               </a:ln>
@@ -15248,7 +14961,7 @@
               <a:buNone/>
               <a:tabLst/>
             </a:pPr>
-            <a:endParaRPr kumimoji="0" lang="en-US" sz="2400" b="0" i="0" u="none" strike="noStrike" cap="none" normalizeH="0" baseline="0" smtClean="0">
+            <a:endParaRPr kumimoji="0" lang="en-US" sz="2400" b="0" i="0" u="none" strike="noStrike" cap="none" normalizeH="0" baseline="0">
               <a:ln>
                 <a:noFill/>
               </a:ln>
@@ -16904,7 +16617,7 @@
               <a:buNone/>
               <a:tabLst/>
             </a:pPr>
-            <a:endParaRPr kumimoji="0" lang="en-US" sz="2400" b="0" i="0" u="none" strike="noStrike" cap="none" normalizeH="0" baseline="0" smtClean="0">
+            <a:endParaRPr kumimoji="0" lang="en-US" sz="2400" b="0" i="0" u="none" strike="noStrike" cap="none" normalizeH="0" baseline="0">
               <a:ln>
                 <a:noFill/>
               </a:ln>
@@ -16940,7 +16653,7 @@
           <a:lstStyle/>
           <a:p>
             <a:r>
-              <a:rPr lang="en-US" dirty="0" smtClean="0">
+              <a:rPr lang="en-US" dirty="0">
                 <a:solidFill>
                   <a:srgbClr val="000000"/>
                 </a:solidFill>
@@ -16950,7 +16663,7 @@
               <a:t>50 </a:t>
             </a:r>
             <a:r>
-              <a:rPr lang="el-GR" dirty="0" smtClean="0">
+              <a:rPr lang="el-GR" dirty="0">
                 <a:solidFill>
                   <a:srgbClr val="000000"/>
                 </a:solidFill>
@@ -16959,7 +16672,7 @@
               </a:rPr>
               <a:t>Ω</a:t>
             </a:r>
-            <a:endParaRPr lang="en-US" dirty="0" smtClean="0">
+            <a:endParaRPr lang="en-US" dirty="0">
               <a:solidFill>
                 <a:srgbClr val="000000"/>
               </a:solidFill>
@@ -16992,7 +16705,7 @@
           <a:lstStyle/>
           <a:p>
             <a:r>
-              <a:rPr lang="en-US" dirty="0" smtClean="0">
+              <a:rPr lang="en-US" dirty="0">
                 <a:solidFill>
                   <a:srgbClr val="000000"/>
                 </a:solidFill>
@@ -17002,7 +16715,7 @@
               <a:t>50 </a:t>
             </a:r>
             <a:r>
-              <a:rPr lang="el-GR" dirty="0" smtClean="0">
+              <a:rPr lang="el-GR" dirty="0">
                 <a:solidFill>
                   <a:srgbClr val="000000"/>
                 </a:solidFill>
@@ -17011,7 +16724,7 @@
               </a:rPr>
               <a:t>Ω</a:t>
             </a:r>
-            <a:endParaRPr lang="en-US" dirty="0" smtClean="0">
+            <a:endParaRPr lang="en-US" dirty="0">
               <a:solidFill>
                 <a:srgbClr val="000000"/>
               </a:solidFill>
@@ -17044,7 +16757,7 @@
           <a:lstStyle/>
           <a:p>
             <a:r>
-              <a:rPr lang="en-US" dirty="0" smtClean="0">
+              <a:rPr lang="en-US" dirty="0">
                 <a:solidFill>
                   <a:srgbClr val="000000"/>
                 </a:solidFill>
@@ -17054,7 +16767,7 @@
               <a:t>100 </a:t>
             </a:r>
             <a:r>
-              <a:rPr lang="el-GR" dirty="0" smtClean="0">
+              <a:rPr lang="el-GR" dirty="0">
                 <a:solidFill>
                   <a:srgbClr val="000000"/>
                 </a:solidFill>
@@ -17063,7 +16776,7 @@
               </a:rPr>
               <a:t>Ω</a:t>
             </a:r>
-            <a:endParaRPr lang="en-US" dirty="0" smtClean="0">
+            <a:endParaRPr lang="en-US" dirty="0">
               <a:solidFill>
                 <a:srgbClr val="000000"/>
               </a:solidFill>
@@ -17096,7 +16809,7 @@
           <a:lstStyle/>
           <a:p>
             <a:r>
-              <a:rPr lang="en-US" dirty="0" smtClean="0">
+              <a:rPr lang="en-US" dirty="0">
                 <a:solidFill>
                   <a:srgbClr val="000000"/>
                 </a:solidFill>
@@ -17106,7 +16819,7 @@
               <a:t>100 </a:t>
             </a:r>
             <a:r>
-              <a:rPr lang="el-GR" dirty="0" smtClean="0">
+              <a:rPr lang="el-GR" dirty="0">
                 <a:solidFill>
                   <a:srgbClr val="000000"/>
                 </a:solidFill>
@@ -17115,7 +16828,7 @@
               </a:rPr>
               <a:t>Ω</a:t>
             </a:r>
-            <a:endParaRPr lang="en-US" dirty="0" smtClean="0">
+            <a:endParaRPr lang="en-US" dirty="0">
               <a:solidFill>
                 <a:srgbClr val="000000"/>
               </a:solidFill>
@@ -17148,7 +16861,7 @@
           <a:lstStyle/>
           <a:p>
             <a:r>
-              <a:rPr lang="en-US" dirty="0" smtClean="0">
+              <a:rPr lang="en-US" dirty="0">
                 <a:solidFill>
                   <a:srgbClr val="000000"/>
                 </a:solidFill>
@@ -17158,7 +16871,7 @@
               <a:t>100 </a:t>
             </a:r>
             <a:r>
-              <a:rPr lang="el-GR" dirty="0" smtClean="0">
+              <a:rPr lang="el-GR" dirty="0">
                 <a:solidFill>
                   <a:srgbClr val="000000"/>
                 </a:solidFill>
@@ -17167,7 +16880,7 @@
               </a:rPr>
               <a:t>Ω</a:t>
             </a:r>
-            <a:endParaRPr lang="en-US" dirty="0" smtClean="0">
+            <a:endParaRPr lang="en-US" dirty="0">
               <a:solidFill>
                 <a:srgbClr val="000000"/>
               </a:solidFill>
@@ -17200,7 +16913,7 @@
           <a:lstStyle/>
           <a:p>
             <a:r>
-              <a:rPr lang="en-US" dirty="0" smtClean="0">
+              <a:rPr lang="en-US" dirty="0">
                 <a:solidFill>
                   <a:srgbClr val="000000"/>
                 </a:solidFill>
@@ -17210,7 +16923,7 @@
               <a:t>100 </a:t>
             </a:r>
             <a:r>
-              <a:rPr lang="el-GR" dirty="0" smtClean="0">
+              <a:rPr lang="el-GR" dirty="0">
                 <a:solidFill>
                   <a:srgbClr val="000000"/>
                 </a:solidFill>
@@ -17219,7 +16932,7 @@
               </a:rPr>
               <a:t>Ω</a:t>
             </a:r>
-            <a:endParaRPr lang="en-US" dirty="0" smtClean="0">
+            <a:endParaRPr lang="en-US" dirty="0">
               <a:solidFill>
                 <a:srgbClr val="000000"/>
               </a:solidFill>
@@ -17252,7 +16965,7 @@
           <a:lstStyle/>
           <a:p>
             <a:r>
-              <a:rPr lang="en-US" sz="3000" i="1" dirty="0" smtClean="0">
+              <a:rPr lang="en-US" sz="3000" i="1" dirty="0">
                 <a:solidFill>
                   <a:schemeClr val="bg1"/>
                 </a:solidFill>
@@ -17262,7 +16975,7 @@
               <a:t>P</a:t>
             </a:r>
             <a:r>
-              <a:rPr lang="en-US" sz="3000" i="1" baseline="-25000" dirty="0" smtClean="0">
+              <a:rPr lang="en-US" sz="3000" i="1" baseline="-25000" dirty="0">
                 <a:solidFill>
                   <a:schemeClr val="bg1"/>
                 </a:solidFill>
@@ -17297,7 +17010,7 @@
           <a:lstStyle/>
           <a:p>
             <a:r>
-              <a:rPr lang="en-US" sz="2800" dirty="0" smtClean="0">
+              <a:rPr lang="en-US" sz="2800" dirty="0">
                 <a:solidFill>
                   <a:schemeClr val="bg1"/>
                 </a:solidFill>
@@ -17306,7 +17019,7 @@
               <a:t>But we want to deliver the power to 50 </a:t>
             </a:r>
             <a:r>
-              <a:rPr lang="el-GR" sz="2800" dirty="0" smtClean="0">
+              <a:rPr lang="el-GR" sz="2800" dirty="0">
                 <a:solidFill>
                   <a:schemeClr val="bg1"/>
                 </a:solidFill>
@@ -17315,7 +17028,7 @@
               <a:t>Ω</a:t>
             </a:r>
             <a:r>
-              <a:rPr lang="en-US" sz="2800" dirty="0" smtClean="0">
+              <a:rPr lang="en-US" sz="2800" dirty="0">
                 <a:solidFill>
                   <a:schemeClr val="bg1"/>
                 </a:solidFill>
@@ -17336,13 +17049,6 @@
   <p:clrMapOvr>
     <a:masterClrMapping/>
   </p:clrMapOvr>
-  <p:timing>
-    <p:tnLst>
-      <p:par>
-        <p:cTn id="1" dur="indefinite" restart="never" nodeType="tmRoot"/>
-      </p:par>
-    </p:tnLst>
-  </p:timing>
 </p:sld>
 </file>
 
@@ -17379,10 +17085,9 @@
           <a:lstStyle/>
           <a:p>
             <a:r>
-              <a:rPr lang="en-US" dirty="0" smtClean="0"/>
+              <a:rPr lang="en-US" dirty="0"/>
               <a:t>FDD vs. TDD</a:t>
             </a:r>
-            <a:endParaRPr lang="en-US" dirty="0"/>
           </a:p>
         </p:txBody>
       </p:sp>
@@ -17462,13 +17167,6 @@
   <p:clrMapOvr>
     <a:masterClrMapping/>
   </p:clrMapOvr>
-  <p:timing>
-    <p:tnLst>
-      <p:par>
-        <p:cTn id="1" dur="indefinite" restart="never" nodeType="tmRoot"/>
-      </p:par>
-    </p:tnLst>
-  </p:timing>
 </p:sld>
 </file>
 
@@ -17505,10 +17203,9 @@
           <a:lstStyle/>
           <a:p>
             <a:r>
-              <a:rPr lang="en-US" dirty="0" smtClean="0"/>
+              <a:rPr lang="en-US" dirty="0"/>
               <a:t>Circulator</a:t>
             </a:r>
-            <a:endParaRPr lang="en-US" dirty="0"/>
           </a:p>
         </p:txBody>
       </p:sp>
@@ -17536,37 +17233,37 @@
           <a:lstStyle/>
           <a:p>
             <a:r>
-              <a:rPr lang="en-US" b="0" dirty="0" smtClean="0"/>
+              <a:rPr lang="en-US" b="0" dirty="0"/>
               <a:t> A </a:t>
             </a:r>
             <a:r>
-              <a:rPr lang="en-US" dirty="0" smtClean="0"/>
+              <a:rPr lang="en-US" dirty="0"/>
               <a:t>passive</a:t>
             </a:r>
             <a:r>
-              <a:rPr lang="en-US" b="0" dirty="0" smtClean="0"/>
+              <a:rPr lang="en-US" b="0" dirty="0"/>
               <a:t> </a:t>
             </a:r>
             <a:r>
-              <a:rPr lang="en-US" dirty="0" smtClean="0"/>
+              <a:rPr lang="en-US" dirty="0"/>
               <a:t>non-reciprocal</a:t>
             </a:r>
             <a:r>
-              <a:rPr lang="en-US" b="0" dirty="0" smtClean="0"/>
+              <a:rPr lang="en-US" b="0" dirty="0"/>
               <a:t> three- or four-port device, in which a microwave or RF signal entering any port is transmitted to the next port in rotation (only).</a:t>
             </a:r>
           </a:p>
           <a:p>
             <a:r>
-              <a:rPr lang="en-US" b="0" dirty="0" smtClean="0"/>
+              <a:rPr lang="en-US" b="0" dirty="0"/>
               <a:t> </a:t>
             </a:r>
             <a:r>
-              <a:rPr lang="en-US" dirty="0" smtClean="0"/>
+              <a:rPr lang="en-US" dirty="0"/>
               <a:t>Isolation</a:t>
             </a:r>
             <a:r>
-              <a:rPr lang="en-US" b="0" dirty="0" smtClean="0"/>
+              <a:rPr lang="en-US" b="0" dirty="0"/>
               <a:t> is important</a:t>
             </a:r>
             <a:endParaRPr lang="en-US" dirty="0"/>
@@ -17687,13 +17384,6 @@
   <p:clrMapOvr>
     <a:masterClrMapping/>
   </p:clrMapOvr>
-  <p:timing>
-    <p:tnLst>
-      <p:par>
-        <p:cTn id="1" dur="indefinite" restart="never" nodeType="tmRoot"/>
-      </p:par>
-    </p:tnLst>
-  </p:timing>
 </p:sld>
 </file>
 
@@ -17731,15 +17421,7 @@
           <a:p>
             <a:r>
               <a:rPr lang="en-US" dirty="0"/>
-              <a:t>Use </a:t>
-            </a:r>
-            <a:r>
-              <a:rPr lang="en-US" dirty="0" smtClean="0"/>
-              <a:t>Circulator </a:t>
-            </a:r>
-            <a:r>
-              <a:rPr lang="en-US" dirty="0"/>
-              <a:t>in Radar Systems</a:t>
+              <a:t>Use Circulator in Radar Systems</a:t>
             </a:r>
           </a:p>
         </p:txBody>
@@ -17812,7 +17494,7 @@
           <a:lstStyle/>
           <a:p>
             <a:r>
-              <a:rPr lang="en-US" sz="3000" dirty="0" smtClean="0">
+              <a:rPr lang="en-US" sz="3000" dirty="0">
                 <a:solidFill>
                   <a:srgbClr val="292929"/>
                 </a:solidFill>
@@ -17847,7 +17529,7 @@
           <a:lstStyle/>
           <a:p>
             <a:r>
-              <a:rPr lang="en-US" sz="3000" dirty="0" smtClean="0">
+              <a:rPr lang="en-US" sz="3000" dirty="0">
                 <a:solidFill>
                   <a:srgbClr val="292929"/>
                 </a:solidFill>
@@ -17909,7 +17591,7 @@
               <a:buNone/>
               <a:tabLst/>
             </a:pPr>
-            <a:endParaRPr kumimoji="0" lang="en-US" sz="2400" b="0" i="0" u="none" strike="noStrike" cap="none" normalizeH="0" baseline="0" smtClean="0">
+            <a:endParaRPr kumimoji="0" lang="en-US" sz="2400" b="0" i="0" u="none" strike="noStrike" cap="none" normalizeH="0" baseline="0">
               <a:ln>
                 <a:noFill/>
               </a:ln>
@@ -17945,7 +17627,7 @@
           <a:lstStyle/>
           <a:p>
             <a:r>
-              <a:rPr lang="en-US" sz="3000" b="1" dirty="0" smtClean="0">
+              <a:rPr lang="en-US" sz="3000" b="1" dirty="0">
                 <a:solidFill>
                   <a:srgbClr val="FF0000"/>
                 </a:solidFill>
@@ -18150,10 +17832,9 @@
           <a:lstStyle/>
           <a:p>
             <a:r>
-              <a:rPr lang="en-US" dirty="0" smtClean="0"/>
+              <a:rPr lang="en-US" dirty="0"/>
               <a:t>Power Splitters and Power Combiners</a:t>
             </a:r>
-            <a:endParaRPr lang="en-US" dirty="0"/>
           </a:p>
         </p:txBody>
       </p:sp>
@@ -18226,7 +17907,7 @@
               <a:buNone/>
               <a:tabLst/>
             </a:pPr>
-            <a:endParaRPr kumimoji="0" lang="en-US" sz="2400" b="0" i="0" u="none" strike="noStrike" cap="none" normalizeH="0" baseline="0" smtClean="0">
+            <a:endParaRPr kumimoji="0" lang="en-US" sz="2400" b="0" i="0" u="none" strike="noStrike" cap="none" normalizeH="0" baseline="0">
               <a:ln>
                 <a:noFill/>
               </a:ln>
@@ -18289,7 +17970,7 @@
               <a:buNone/>
               <a:tabLst/>
             </a:pPr>
-            <a:endParaRPr kumimoji="0" lang="en-US" sz="2400" b="0" i="0" u="none" strike="noStrike" cap="none" normalizeH="0" baseline="0" smtClean="0">
+            <a:endParaRPr kumimoji="0" lang="en-US" sz="2400" b="0" i="0" u="none" strike="noStrike" cap="none" normalizeH="0" baseline="0">
               <a:ln>
                 <a:noFill/>
               </a:ln>
@@ -19943,7 +19624,7 @@
               <a:buNone/>
               <a:tabLst/>
             </a:pPr>
-            <a:endParaRPr kumimoji="0" lang="en-US" sz="2400" b="0" i="0" u="none" strike="noStrike" cap="none" normalizeH="0" baseline="0" smtClean="0">
+            <a:endParaRPr kumimoji="0" lang="en-US" sz="2400" b="0" i="0" u="none" strike="noStrike" cap="none" normalizeH="0" baseline="0">
               <a:ln>
                 <a:noFill/>
               </a:ln>
@@ -19979,7 +19660,7 @@
           <a:lstStyle/>
           <a:p>
             <a:r>
-              <a:rPr lang="en-US" dirty="0" smtClean="0">
+              <a:rPr lang="en-US" dirty="0">
                 <a:solidFill>
                   <a:srgbClr val="000000"/>
                 </a:solidFill>
@@ -19989,7 +19670,7 @@
               <a:t>50 </a:t>
             </a:r>
             <a:r>
-              <a:rPr lang="el-GR" dirty="0" smtClean="0">
+              <a:rPr lang="el-GR" dirty="0">
                 <a:solidFill>
                   <a:srgbClr val="000000"/>
                 </a:solidFill>
@@ -19998,7 +19679,7 @@
               </a:rPr>
               <a:t>Ω</a:t>
             </a:r>
-            <a:endParaRPr lang="en-US" dirty="0" smtClean="0">
+            <a:endParaRPr lang="en-US" dirty="0">
               <a:solidFill>
                 <a:srgbClr val="000000"/>
               </a:solidFill>
@@ -20031,7 +19712,7 @@
           <a:lstStyle/>
           <a:p>
             <a:r>
-              <a:rPr lang="en-US" dirty="0" smtClean="0">
+              <a:rPr lang="en-US" dirty="0">
                 <a:solidFill>
                   <a:srgbClr val="000000"/>
                 </a:solidFill>
@@ -20041,7 +19722,7 @@
               <a:t>50 </a:t>
             </a:r>
             <a:r>
-              <a:rPr lang="el-GR" dirty="0" smtClean="0">
+              <a:rPr lang="el-GR" dirty="0">
                 <a:solidFill>
                   <a:srgbClr val="000000"/>
                 </a:solidFill>
@@ -20050,7 +19731,7 @@
               </a:rPr>
               <a:t>Ω</a:t>
             </a:r>
-            <a:endParaRPr lang="en-US" dirty="0" smtClean="0">
+            <a:endParaRPr lang="en-US" dirty="0">
               <a:solidFill>
                 <a:srgbClr val="000000"/>
               </a:solidFill>
@@ -20090,20 +19771,10 @@
                 <a:latin typeface="Times" panose="02020603050405020304" pitchFamily="18" charset="0"/>
                 <a:cs typeface="Times" panose="02020603050405020304" pitchFamily="18" charset="0"/>
               </a:rPr>
-              <a:t>5</a:t>
-            </a:r>
-            <a:r>
-              <a:rPr lang="en-US" dirty="0" smtClean="0">
-                <a:solidFill>
-                  <a:srgbClr val="000000"/>
-                </a:solidFill>
-                <a:latin typeface="Times" panose="02020603050405020304" pitchFamily="18" charset="0"/>
-                <a:cs typeface="Times" panose="02020603050405020304" pitchFamily="18" charset="0"/>
-              </a:rPr>
-              <a:t>0 </a:t>
-            </a:r>
-            <a:r>
-              <a:rPr lang="el-GR" dirty="0" smtClean="0">
+              <a:t>50 </a:t>
+            </a:r>
+            <a:r>
+              <a:rPr lang="el-GR" dirty="0">
                 <a:solidFill>
                   <a:srgbClr val="000000"/>
                 </a:solidFill>
@@ -20112,7 +19783,7 @@
               </a:rPr>
               <a:t>Ω</a:t>
             </a:r>
-            <a:endParaRPr lang="en-US" dirty="0" smtClean="0">
+            <a:endParaRPr lang="en-US" dirty="0">
               <a:solidFill>
                 <a:srgbClr val="000000"/>
               </a:solidFill>
@@ -20152,20 +19823,10 @@
                 <a:latin typeface="Times" panose="02020603050405020304" pitchFamily="18" charset="0"/>
                 <a:cs typeface="Times" panose="02020603050405020304" pitchFamily="18" charset="0"/>
               </a:rPr>
-              <a:t>5</a:t>
-            </a:r>
-            <a:r>
-              <a:rPr lang="en-US" dirty="0" smtClean="0">
-                <a:solidFill>
-                  <a:srgbClr val="000000"/>
-                </a:solidFill>
-                <a:latin typeface="Times" panose="02020603050405020304" pitchFamily="18" charset="0"/>
-                <a:cs typeface="Times" panose="02020603050405020304" pitchFamily="18" charset="0"/>
-              </a:rPr>
-              <a:t>0 </a:t>
-            </a:r>
-            <a:r>
-              <a:rPr lang="el-GR" dirty="0" smtClean="0">
+              <a:t>50 </a:t>
+            </a:r>
+            <a:r>
+              <a:rPr lang="el-GR" dirty="0">
                 <a:solidFill>
                   <a:srgbClr val="000000"/>
                 </a:solidFill>
@@ -20174,7 +19835,7 @@
               </a:rPr>
               <a:t>Ω</a:t>
             </a:r>
-            <a:endParaRPr lang="en-US" dirty="0" smtClean="0">
+            <a:endParaRPr lang="en-US" dirty="0">
               <a:solidFill>
                 <a:srgbClr val="000000"/>
               </a:solidFill>
@@ -20207,7 +19868,7 @@
           <a:lstStyle/>
           <a:p>
             <a:r>
-              <a:rPr lang="en-US" dirty="0" smtClean="0">
+              <a:rPr lang="en-US" dirty="0">
                 <a:solidFill>
                   <a:srgbClr val="000000"/>
                 </a:solidFill>
@@ -20217,7 +19878,7 @@
               <a:t>100 </a:t>
             </a:r>
             <a:r>
-              <a:rPr lang="el-GR" dirty="0" smtClean="0">
+              <a:rPr lang="el-GR" dirty="0">
                 <a:solidFill>
                   <a:srgbClr val="000000"/>
                 </a:solidFill>
@@ -20226,7 +19887,7 @@
               </a:rPr>
               <a:t>Ω</a:t>
             </a:r>
-            <a:endParaRPr lang="en-US" dirty="0" smtClean="0">
+            <a:endParaRPr lang="en-US" dirty="0">
               <a:solidFill>
                 <a:srgbClr val="000000"/>
               </a:solidFill>
@@ -20259,7 +19920,7 @@
           <a:lstStyle/>
           <a:p>
             <a:r>
-              <a:rPr lang="en-US" dirty="0" smtClean="0">
+              <a:rPr lang="en-US" dirty="0">
                 <a:solidFill>
                   <a:srgbClr val="000000"/>
                 </a:solidFill>
@@ -20269,7 +19930,7 @@
               <a:t>100 </a:t>
             </a:r>
             <a:r>
-              <a:rPr lang="el-GR" dirty="0" smtClean="0">
+              <a:rPr lang="el-GR" dirty="0">
                 <a:solidFill>
                   <a:srgbClr val="000000"/>
                 </a:solidFill>
@@ -20278,7 +19939,7 @@
               </a:rPr>
               <a:t>Ω</a:t>
             </a:r>
-            <a:endParaRPr lang="en-US" dirty="0" smtClean="0">
+            <a:endParaRPr lang="en-US" dirty="0">
               <a:solidFill>
                 <a:srgbClr val="000000"/>
               </a:solidFill>
@@ -20311,7 +19972,7 @@
           <a:lstStyle/>
           <a:p>
             <a:r>
-              <a:rPr lang="en-US" sz="3000" i="1" dirty="0" smtClean="0">
+              <a:rPr lang="en-US" sz="3000" i="1" dirty="0">
                 <a:solidFill>
                   <a:schemeClr val="bg1"/>
                 </a:solidFill>
@@ -20321,7 +19982,7 @@
               <a:t>P</a:t>
             </a:r>
             <a:r>
-              <a:rPr lang="en-US" sz="3000" i="1" baseline="-25000" dirty="0" smtClean="0">
+              <a:rPr lang="en-US" sz="3000" i="1" baseline="-25000" dirty="0">
                 <a:solidFill>
                   <a:schemeClr val="bg1"/>
                 </a:solidFill>
@@ -20423,7 +20084,7 @@
               <a:tabLst/>
             </a:pPr>
             <a:r>
-              <a:rPr kumimoji="0" lang="en-US" sz="2000" b="0" i="0" u="none" strike="noStrike" cap="none" normalizeH="0" baseline="0" dirty="0" smtClean="0">
+              <a:rPr kumimoji="0" lang="en-US" sz="2000" b="0" i="0" u="none" strike="noStrike" cap="none" normalizeH="0" baseline="0" dirty="0">
                 <a:ln>
                   <a:noFill/>
                 </a:ln>
@@ -20529,7 +20190,7 @@
               <a:tabLst/>
             </a:pPr>
             <a:r>
-              <a:rPr kumimoji="0" lang="en-US" sz="2000" b="0" i="0" u="none" strike="noStrike" cap="none" normalizeH="0" baseline="0" dirty="0" smtClean="0">
+              <a:rPr kumimoji="0" lang="en-US" sz="2000" b="0" i="0" u="none" strike="noStrike" cap="none" normalizeH="0" baseline="0" dirty="0">
                 <a:ln>
                   <a:noFill/>
                 </a:ln>
@@ -20555,13 +20216,6 @@
   <p:clrMapOvr>
     <a:masterClrMapping/>
   </p:clrMapOvr>
-  <p:timing>
-    <p:tnLst>
-      <p:par>
-        <p:cTn id="1" dur="indefinite" restart="never" nodeType="tmRoot"/>
-      </p:par>
-    </p:tnLst>
-  </p:timing>
 </p:sld>
 </file>
 
@@ -20598,10 +20252,9 @@
           <a:lstStyle/>
           <a:p>
             <a:r>
-              <a:rPr lang="en-US" dirty="0" smtClean="0"/>
+              <a:rPr lang="en-US" dirty="0"/>
               <a:t>Power Splitters and Power Combiners</a:t>
             </a:r>
-            <a:endParaRPr lang="en-US" dirty="0"/>
           </a:p>
         </p:txBody>
       </p:sp>
@@ -20621,16 +20274,15 @@
           <a:lstStyle/>
           <a:p>
             <a:r>
-              <a:rPr lang="en-US" dirty="0" smtClean="0"/>
+              <a:rPr lang="en-US" dirty="0"/>
               <a:t>T-junction splitter</a:t>
             </a:r>
           </a:p>
           <a:p>
             <a:r>
-              <a:rPr lang="en-US" dirty="0" smtClean="0"/>
+              <a:rPr lang="en-US" dirty="0"/>
               <a:t>There is no isolation between the two split ports</a:t>
             </a:r>
-            <a:endParaRPr lang="en-US" dirty="0"/>
           </a:p>
         </p:txBody>
       </p:sp>
@@ -20684,7 +20336,7 @@
               <a:buNone/>
               <a:tabLst/>
             </a:pPr>
-            <a:endParaRPr kumimoji="0" lang="en-US" sz="2400" b="0" i="0" u="none" strike="noStrike" cap="none" normalizeH="0" baseline="0" smtClean="0">
+            <a:endParaRPr kumimoji="0" lang="en-US" sz="2400" b="0" i="0" u="none" strike="noStrike" cap="none" normalizeH="0" baseline="0">
               <a:ln>
                 <a:noFill/>
               </a:ln>
@@ -20747,7 +20399,7 @@
               <a:buNone/>
               <a:tabLst/>
             </a:pPr>
-            <a:endParaRPr kumimoji="0" lang="en-US" sz="2400" b="0" i="0" u="none" strike="noStrike" cap="none" normalizeH="0" baseline="0" smtClean="0">
+            <a:endParaRPr kumimoji="0" lang="en-US" sz="2400" b="0" i="0" u="none" strike="noStrike" cap="none" normalizeH="0" baseline="0">
               <a:ln>
                 <a:noFill/>
               </a:ln>
@@ -22401,7 +22053,7 @@
               <a:buNone/>
               <a:tabLst/>
             </a:pPr>
-            <a:endParaRPr kumimoji="0" lang="en-US" sz="2400" b="0" i="0" u="none" strike="noStrike" cap="none" normalizeH="0" baseline="0" smtClean="0">
+            <a:endParaRPr kumimoji="0" lang="en-US" sz="2400" b="0" i="0" u="none" strike="noStrike" cap="none" normalizeH="0" baseline="0">
               <a:ln>
                 <a:noFill/>
               </a:ln>
@@ -22437,7 +22089,7 @@
           <a:lstStyle/>
           <a:p>
             <a:r>
-              <a:rPr lang="en-US" dirty="0" smtClean="0">
+              <a:rPr lang="en-US" dirty="0">
                 <a:solidFill>
                   <a:srgbClr val="000000"/>
                 </a:solidFill>
@@ -22447,7 +22099,7 @@
               <a:t>50 </a:t>
             </a:r>
             <a:r>
-              <a:rPr lang="el-GR" dirty="0" smtClean="0">
+              <a:rPr lang="el-GR" dirty="0">
                 <a:solidFill>
                   <a:srgbClr val="000000"/>
                 </a:solidFill>
@@ -22456,7 +22108,7 @@
               </a:rPr>
               <a:t>Ω</a:t>
             </a:r>
-            <a:endParaRPr lang="en-US" dirty="0" smtClean="0">
+            <a:endParaRPr lang="en-US" dirty="0">
               <a:solidFill>
                 <a:srgbClr val="000000"/>
               </a:solidFill>
@@ -22489,7 +22141,7 @@
           <a:lstStyle/>
           <a:p>
             <a:r>
-              <a:rPr lang="en-US" dirty="0" smtClean="0">
+              <a:rPr lang="en-US" dirty="0">
                 <a:solidFill>
                   <a:srgbClr val="000000"/>
                 </a:solidFill>
@@ -22499,7 +22151,7 @@
               <a:t>50 </a:t>
             </a:r>
             <a:r>
-              <a:rPr lang="el-GR" dirty="0" smtClean="0">
+              <a:rPr lang="el-GR" dirty="0">
                 <a:solidFill>
                   <a:srgbClr val="000000"/>
                 </a:solidFill>
@@ -22508,7 +22160,7 @@
               </a:rPr>
               <a:t>Ω</a:t>
             </a:r>
-            <a:endParaRPr lang="en-US" dirty="0" smtClean="0">
+            <a:endParaRPr lang="en-US" dirty="0">
               <a:solidFill>
                 <a:srgbClr val="000000"/>
               </a:solidFill>
@@ -22548,20 +22200,10 @@
                 <a:latin typeface="Times" panose="02020603050405020304" pitchFamily="18" charset="0"/>
                 <a:cs typeface="Times" panose="02020603050405020304" pitchFamily="18" charset="0"/>
               </a:rPr>
-              <a:t>5</a:t>
-            </a:r>
-            <a:r>
-              <a:rPr lang="en-US" dirty="0" smtClean="0">
-                <a:solidFill>
-                  <a:srgbClr val="000000"/>
-                </a:solidFill>
-                <a:latin typeface="Times" panose="02020603050405020304" pitchFamily="18" charset="0"/>
-                <a:cs typeface="Times" panose="02020603050405020304" pitchFamily="18" charset="0"/>
-              </a:rPr>
-              <a:t>0 </a:t>
-            </a:r>
-            <a:r>
-              <a:rPr lang="el-GR" dirty="0" smtClean="0">
+              <a:t>50 </a:t>
+            </a:r>
+            <a:r>
+              <a:rPr lang="el-GR" dirty="0">
                 <a:solidFill>
                   <a:srgbClr val="000000"/>
                 </a:solidFill>
@@ -22570,7 +22212,7 @@
               </a:rPr>
               <a:t>Ω</a:t>
             </a:r>
-            <a:endParaRPr lang="en-US" dirty="0" smtClean="0">
+            <a:endParaRPr lang="en-US" dirty="0">
               <a:solidFill>
                 <a:srgbClr val="000000"/>
               </a:solidFill>
@@ -22610,20 +22252,10 @@
                 <a:latin typeface="Times" panose="02020603050405020304" pitchFamily="18" charset="0"/>
                 <a:cs typeface="Times" panose="02020603050405020304" pitchFamily="18" charset="0"/>
               </a:rPr>
-              <a:t>5</a:t>
-            </a:r>
-            <a:r>
-              <a:rPr lang="en-US" dirty="0" smtClean="0">
-                <a:solidFill>
-                  <a:srgbClr val="000000"/>
-                </a:solidFill>
-                <a:latin typeface="Times" panose="02020603050405020304" pitchFamily="18" charset="0"/>
-                <a:cs typeface="Times" panose="02020603050405020304" pitchFamily="18" charset="0"/>
-              </a:rPr>
-              <a:t>0 </a:t>
-            </a:r>
-            <a:r>
-              <a:rPr lang="el-GR" dirty="0" smtClean="0">
+              <a:t>50 </a:t>
+            </a:r>
+            <a:r>
+              <a:rPr lang="el-GR" dirty="0">
                 <a:solidFill>
                   <a:srgbClr val="000000"/>
                 </a:solidFill>
@@ -22632,7 +22264,7 @@
               </a:rPr>
               <a:t>Ω</a:t>
             </a:r>
-            <a:endParaRPr lang="en-US" dirty="0" smtClean="0">
+            <a:endParaRPr lang="en-US" dirty="0">
               <a:solidFill>
                 <a:srgbClr val="000000"/>
               </a:solidFill>
@@ -22665,7 +22297,7 @@
           <a:lstStyle/>
           <a:p>
             <a:r>
-              <a:rPr lang="en-US" dirty="0" smtClean="0">
+              <a:rPr lang="en-US" dirty="0">
                 <a:solidFill>
                   <a:srgbClr val="000000"/>
                 </a:solidFill>
@@ -22675,7 +22307,7 @@
               <a:t>100 </a:t>
             </a:r>
             <a:r>
-              <a:rPr lang="el-GR" dirty="0" smtClean="0">
+              <a:rPr lang="el-GR" dirty="0">
                 <a:solidFill>
                   <a:srgbClr val="000000"/>
                 </a:solidFill>
@@ -22684,7 +22316,7 @@
               </a:rPr>
               <a:t>Ω</a:t>
             </a:r>
-            <a:endParaRPr lang="en-US" dirty="0" smtClean="0">
+            <a:endParaRPr lang="en-US" dirty="0">
               <a:solidFill>
                 <a:srgbClr val="000000"/>
               </a:solidFill>
@@ -22717,7 +22349,7 @@
           <a:lstStyle/>
           <a:p>
             <a:r>
-              <a:rPr lang="en-US" dirty="0" smtClean="0">
+              <a:rPr lang="en-US" dirty="0">
                 <a:solidFill>
                   <a:srgbClr val="000000"/>
                 </a:solidFill>
@@ -22727,7 +22359,7 @@
               <a:t>100 </a:t>
             </a:r>
             <a:r>
-              <a:rPr lang="el-GR" dirty="0" smtClean="0">
+              <a:rPr lang="el-GR" dirty="0">
                 <a:solidFill>
                   <a:srgbClr val="000000"/>
                 </a:solidFill>
@@ -22736,7 +22368,7 @@
               </a:rPr>
               <a:t>Ω</a:t>
             </a:r>
-            <a:endParaRPr lang="en-US" dirty="0" smtClean="0">
+            <a:endParaRPr lang="en-US" dirty="0">
               <a:solidFill>
                 <a:srgbClr val="000000"/>
               </a:solidFill>
@@ -22769,7 +22401,7 @@
           <a:lstStyle/>
           <a:p>
             <a:r>
-              <a:rPr lang="en-US" sz="3000" i="1" dirty="0" smtClean="0">
+              <a:rPr lang="en-US" sz="3000" i="1" dirty="0">
                 <a:solidFill>
                   <a:schemeClr val="bg1"/>
                 </a:solidFill>
@@ -22779,7 +22411,7 @@
               <a:t>P</a:t>
             </a:r>
             <a:r>
-              <a:rPr lang="en-US" sz="3000" i="1" baseline="-25000" dirty="0" smtClean="0">
+              <a:rPr lang="en-US" sz="3000" i="1" baseline="-25000" dirty="0">
                 <a:solidFill>
                   <a:schemeClr val="bg1"/>
                 </a:solidFill>
@@ -22915,7 +22547,7 @@
               <a:buNone/>
               <a:tabLst/>
             </a:pPr>
-            <a:endParaRPr kumimoji="0" lang="en-US" sz="2400" b="0" i="0" u="none" strike="noStrike" cap="none" normalizeH="0" baseline="0" smtClean="0">
+            <a:endParaRPr kumimoji="0" lang="en-US" sz="2400" b="0" i="0" u="none" strike="noStrike" cap="none" normalizeH="0" baseline="0">
               <a:ln>
                 <a:noFill/>
               </a:ln>
@@ -22978,7 +22610,7 @@
               <a:buNone/>
               <a:tabLst/>
             </a:pPr>
-            <a:endParaRPr kumimoji="0" lang="en-US" sz="2400" b="0" i="0" u="none" strike="noStrike" cap="none" normalizeH="0" baseline="0" smtClean="0">
+            <a:endParaRPr kumimoji="0" lang="en-US" sz="2400" b="0" i="0" u="none" strike="noStrike" cap="none" normalizeH="0" baseline="0">
               <a:ln>
                 <a:noFill/>
               </a:ln>
@@ -23014,7 +22646,7 @@
           <a:lstStyle/>
           <a:p>
             <a:r>
-              <a:rPr lang="en-US" dirty="0" smtClean="0">
+              <a:rPr lang="en-US" dirty="0">
                 <a:solidFill>
                   <a:schemeClr val="bg1"/>
                 </a:solidFill>
@@ -23024,7 +22656,7 @@
               <a:t>70.7 </a:t>
             </a:r>
             <a:r>
-              <a:rPr lang="el-GR" dirty="0" smtClean="0">
+              <a:rPr lang="el-GR" dirty="0">
                 <a:solidFill>
                   <a:schemeClr val="bg1"/>
                 </a:solidFill>
@@ -23034,7 +22666,7 @@
               <a:t>Ω</a:t>
             </a:r>
             <a:r>
-              <a:rPr lang="en-US" dirty="0" smtClean="0">
+              <a:rPr lang="en-US" dirty="0">
                 <a:solidFill>
                   <a:schemeClr val="bg1"/>
                 </a:solidFill>
@@ -23044,7 +22676,7 @@
               <a:t>, </a:t>
             </a:r>
             <a:r>
-              <a:rPr lang="el-GR" dirty="0" smtClean="0">
+              <a:rPr lang="el-GR" dirty="0">
                 <a:solidFill>
                   <a:schemeClr val="bg1"/>
                 </a:solidFill>
@@ -23054,7 +22686,7 @@
               <a:t>λ</a:t>
             </a:r>
             <a:r>
-              <a:rPr lang="en-US" dirty="0" smtClean="0">
+              <a:rPr lang="en-US" dirty="0">
                 <a:solidFill>
                   <a:schemeClr val="bg1"/>
                 </a:solidFill>
@@ -23089,7 +22721,7 @@
           <a:lstStyle/>
           <a:p>
             <a:r>
-              <a:rPr lang="en-US" dirty="0" smtClean="0">
+              <a:rPr lang="en-US" dirty="0">
                 <a:solidFill>
                   <a:schemeClr val="bg1"/>
                 </a:solidFill>
@@ -23099,7 +22731,7 @@
               <a:t>70.7 </a:t>
             </a:r>
             <a:r>
-              <a:rPr lang="el-GR" dirty="0" smtClean="0">
+              <a:rPr lang="el-GR" dirty="0">
                 <a:solidFill>
                   <a:schemeClr val="bg1"/>
                 </a:solidFill>
@@ -23109,7 +22741,7 @@
               <a:t>Ω</a:t>
             </a:r>
             <a:r>
-              <a:rPr lang="en-US" dirty="0" smtClean="0">
+              <a:rPr lang="en-US" dirty="0">
                 <a:solidFill>
                   <a:schemeClr val="bg1"/>
                 </a:solidFill>
@@ -23119,7 +22751,7 @@
               <a:t>, </a:t>
             </a:r>
             <a:r>
-              <a:rPr lang="el-GR" dirty="0" smtClean="0">
+              <a:rPr lang="el-GR" dirty="0">
                 <a:solidFill>
                   <a:schemeClr val="bg1"/>
                 </a:solidFill>
@@ -23129,7 +22761,7 @@
               <a:t>λ</a:t>
             </a:r>
             <a:r>
-              <a:rPr lang="en-US" dirty="0" smtClean="0">
+              <a:rPr lang="en-US" dirty="0">
                 <a:solidFill>
                   <a:schemeClr val="bg1"/>
                 </a:solidFill>
@@ -23203,7 +22835,7 @@
           <a:lstStyle/>
           <a:p>
             <a:r>
-              <a:rPr lang="en-US" sz="1800" dirty="0" smtClean="0">
+              <a:rPr lang="en-US" sz="1800" dirty="0">
                 <a:solidFill>
                   <a:srgbClr val="292929"/>
                 </a:solidFill>
@@ -23213,7 +22845,7 @@
               <a:t>Example: T-junction fed </a:t>
             </a:r>
             <a:r>
-              <a:rPr lang="en-US" sz="1800" dirty="0" err="1" smtClean="0">
+              <a:rPr lang="en-US" sz="1800" dirty="0" err="1">
                 <a:solidFill>
                   <a:srgbClr val="292929"/>
                 </a:solidFill>
@@ -23223,7 +22855,7 @@
               <a:t>microstrip</a:t>
             </a:r>
             <a:r>
-              <a:rPr lang="en-US" sz="1800" dirty="0" smtClean="0">
+              <a:rPr lang="en-US" sz="1800" dirty="0">
                 <a:solidFill>
                   <a:srgbClr val="292929"/>
                 </a:solidFill>
@@ -23235,7 +22867,7 @@
           </a:p>
           <a:p>
             <a:r>
-              <a:rPr lang="en-US" sz="1800" dirty="0" smtClean="0">
+              <a:rPr lang="en-US" sz="1800" dirty="0">
                 <a:solidFill>
                   <a:srgbClr val="292929"/>
                 </a:solidFill>
@@ -23245,7 +22877,7 @@
               <a:t>T-junctions can be cascaded to make 1:2</a:t>
             </a:r>
             <a:r>
-              <a:rPr lang="en-US" sz="1800" baseline="30000" dirty="0" smtClean="0">
+              <a:rPr lang="en-US" sz="1800" baseline="30000" dirty="0">
                 <a:solidFill>
                   <a:srgbClr val="292929"/>
                 </a:solidFill>
@@ -23255,7 +22887,7 @@
               <a:t>N</a:t>
             </a:r>
             <a:r>
-              <a:rPr lang="en-US" sz="1800" dirty="0" smtClean="0">
+              <a:rPr lang="en-US" sz="1800" dirty="0">
                 <a:solidFill>
                   <a:srgbClr val="292929"/>
                 </a:solidFill>
@@ -23364,7 +22996,7 @@
           <a:lstStyle/>
           <a:p>
             <a:r>
-              <a:rPr lang="en-US" sz="3600" b="1" dirty="0" smtClean="0">
+              <a:rPr lang="en-US" sz="3600" b="1" dirty="0">
                 <a:solidFill>
                   <a:srgbClr val="C00000"/>
                 </a:solidFill>
@@ -23698,17 +23330,16 @@
           <a:lstStyle/>
           <a:p>
             <a:r>
-              <a:rPr lang="en-US" dirty="0" smtClean="0"/>
+              <a:rPr lang="en-US" dirty="0"/>
               <a:t>Matched at all three ports</a:t>
             </a:r>
           </a:p>
           <a:p>
             <a:pPr lvl="1"/>
             <a:r>
-              <a:rPr lang="en-US" dirty="0" smtClean="0"/>
+              <a:rPr lang="en-US" dirty="0"/>
               <a:t>Lossless power divider</a:t>
             </a:r>
-            <a:endParaRPr lang="en-US" dirty="0"/>
           </a:p>
         </p:txBody>
       </p:sp>
@@ -23762,7 +23393,7 @@
               <a:buNone/>
               <a:tabLst/>
             </a:pPr>
-            <a:endParaRPr kumimoji="0" lang="en-US" sz="2400" b="0" i="0" u="none" strike="noStrike" cap="none" normalizeH="0" baseline="0" smtClean="0">
+            <a:endParaRPr kumimoji="0" lang="en-US" sz="2400" b="0" i="0" u="none" strike="noStrike" cap="none" normalizeH="0" baseline="0">
               <a:ln>
                 <a:noFill/>
               </a:ln>
@@ -25389,7 +25020,7 @@
           <a:lstStyle/>
           <a:p>
             <a:r>
-              <a:rPr lang="en-US" dirty="0" smtClean="0">
+              <a:rPr lang="en-US" dirty="0">
                 <a:solidFill>
                   <a:srgbClr val="000000"/>
                 </a:solidFill>
@@ -25399,7 +25030,7 @@
               <a:t>50 </a:t>
             </a:r>
             <a:r>
-              <a:rPr lang="el-GR" dirty="0" smtClean="0">
+              <a:rPr lang="el-GR" dirty="0">
                 <a:solidFill>
                   <a:srgbClr val="000000"/>
                 </a:solidFill>
@@ -25408,7 +25039,7 @@
               </a:rPr>
               <a:t>Ω</a:t>
             </a:r>
-            <a:endParaRPr lang="en-US" dirty="0" smtClean="0">
+            <a:endParaRPr lang="en-US" dirty="0">
               <a:solidFill>
                 <a:srgbClr val="000000"/>
               </a:solidFill>
@@ -25441,7 +25072,7 @@
           <a:lstStyle/>
           <a:p>
             <a:r>
-              <a:rPr lang="en-US" dirty="0" smtClean="0">
+              <a:rPr lang="en-US" dirty="0">
                 <a:solidFill>
                   <a:srgbClr val="000000"/>
                 </a:solidFill>
@@ -25451,7 +25082,7 @@
               <a:t>50 </a:t>
             </a:r>
             <a:r>
-              <a:rPr lang="el-GR" dirty="0" smtClean="0">
+              <a:rPr lang="el-GR" dirty="0">
                 <a:solidFill>
                   <a:srgbClr val="000000"/>
                 </a:solidFill>
@@ -25460,7 +25091,7 @@
               </a:rPr>
               <a:t>Ω</a:t>
             </a:r>
-            <a:endParaRPr lang="en-US" dirty="0" smtClean="0">
+            <a:endParaRPr lang="en-US" dirty="0">
               <a:solidFill>
                 <a:srgbClr val="000000"/>
               </a:solidFill>
@@ -25500,20 +25131,10 @@
                 <a:latin typeface="Times" panose="02020603050405020304" pitchFamily="18" charset="0"/>
                 <a:cs typeface="Times" panose="02020603050405020304" pitchFamily="18" charset="0"/>
               </a:rPr>
-              <a:t>5</a:t>
-            </a:r>
-            <a:r>
-              <a:rPr lang="en-US" dirty="0" smtClean="0">
-                <a:solidFill>
-                  <a:srgbClr val="000000"/>
-                </a:solidFill>
-                <a:latin typeface="Times" panose="02020603050405020304" pitchFamily="18" charset="0"/>
-                <a:cs typeface="Times" panose="02020603050405020304" pitchFamily="18" charset="0"/>
-              </a:rPr>
-              <a:t>0 </a:t>
-            </a:r>
-            <a:r>
-              <a:rPr lang="el-GR" dirty="0" smtClean="0">
+              <a:t>50 </a:t>
+            </a:r>
+            <a:r>
+              <a:rPr lang="el-GR" dirty="0">
                 <a:solidFill>
                   <a:srgbClr val="000000"/>
                 </a:solidFill>
@@ -25522,7 +25143,7 @@
               </a:rPr>
               <a:t>Ω</a:t>
             </a:r>
-            <a:endParaRPr lang="en-US" dirty="0" smtClean="0">
+            <a:endParaRPr lang="en-US" dirty="0">
               <a:solidFill>
                 <a:srgbClr val="000000"/>
               </a:solidFill>
@@ -25562,20 +25183,10 @@
                 <a:latin typeface="Times" panose="02020603050405020304" pitchFamily="18" charset="0"/>
                 <a:cs typeface="Times" panose="02020603050405020304" pitchFamily="18" charset="0"/>
               </a:rPr>
-              <a:t>5</a:t>
-            </a:r>
-            <a:r>
-              <a:rPr lang="en-US" dirty="0" smtClean="0">
-                <a:solidFill>
-                  <a:srgbClr val="000000"/>
-                </a:solidFill>
-                <a:latin typeface="Times" panose="02020603050405020304" pitchFamily="18" charset="0"/>
-                <a:cs typeface="Times" panose="02020603050405020304" pitchFamily="18" charset="0"/>
-              </a:rPr>
-              <a:t>0 </a:t>
-            </a:r>
-            <a:r>
-              <a:rPr lang="el-GR" dirty="0" smtClean="0">
+              <a:t>50 </a:t>
+            </a:r>
+            <a:r>
+              <a:rPr lang="el-GR" dirty="0">
                 <a:solidFill>
                   <a:srgbClr val="000000"/>
                 </a:solidFill>
@@ -25584,7 +25195,7 @@
               </a:rPr>
               <a:t>Ω</a:t>
             </a:r>
-            <a:endParaRPr lang="en-US" dirty="0" smtClean="0">
+            <a:endParaRPr lang="en-US" dirty="0">
               <a:solidFill>
                 <a:srgbClr val="000000"/>
               </a:solidFill>
@@ -25617,7 +25228,7 @@
           <a:lstStyle/>
           <a:p>
             <a:r>
-              <a:rPr lang="en-US" sz="3000" i="1" dirty="0" smtClean="0">
+              <a:rPr lang="en-US" sz="3000" i="1" dirty="0">
                 <a:solidFill>
                   <a:schemeClr val="bg1"/>
                 </a:solidFill>
@@ -25627,7 +25238,7 @@
               <a:t>P</a:t>
             </a:r>
             <a:r>
-              <a:rPr lang="en-US" sz="3000" i="1" baseline="-25000" dirty="0" smtClean="0">
+              <a:rPr lang="en-US" sz="3000" i="1" baseline="-25000" dirty="0">
                 <a:solidFill>
                   <a:schemeClr val="bg1"/>
                 </a:solidFill>
@@ -25765,7 +25376,7 @@
               <a:buNone/>
               <a:tabLst/>
             </a:pPr>
-            <a:endParaRPr kumimoji="0" lang="en-US" sz="2400" b="0" i="0" u="none" strike="noStrike" cap="none" normalizeH="0" baseline="0" smtClean="0">
+            <a:endParaRPr kumimoji="0" lang="en-US" sz="2400" b="0" i="0" u="none" strike="noStrike" cap="none" normalizeH="0" baseline="0">
               <a:ln>
                 <a:noFill/>
               </a:ln>
@@ -25828,7 +25439,7 @@
               <a:buNone/>
               <a:tabLst/>
             </a:pPr>
-            <a:endParaRPr kumimoji="0" lang="en-US" sz="2400" b="0" i="0" u="none" strike="noStrike" cap="none" normalizeH="0" baseline="0" smtClean="0">
+            <a:endParaRPr kumimoji="0" lang="en-US" sz="2400" b="0" i="0" u="none" strike="noStrike" cap="none" normalizeH="0" baseline="0">
               <a:ln>
                 <a:noFill/>
               </a:ln>
@@ -25864,7 +25475,7 @@
           <a:lstStyle/>
           <a:p>
             <a:r>
-              <a:rPr lang="en-US" dirty="0" smtClean="0">
+              <a:rPr lang="en-US" dirty="0">
                 <a:solidFill>
                   <a:schemeClr val="bg1"/>
                 </a:solidFill>
@@ -25874,7 +25485,7 @@
               <a:t>70.7 </a:t>
             </a:r>
             <a:r>
-              <a:rPr lang="el-GR" dirty="0" smtClean="0">
+              <a:rPr lang="el-GR" dirty="0">
                 <a:solidFill>
                   <a:schemeClr val="bg1"/>
                 </a:solidFill>
@@ -25884,7 +25495,7 @@
               <a:t>Ω</a:t>
             </a:r>
             <a:r>
-              <a:rPr lang="en-US" dirty="0" smtClean="0">
+              <a:rPr lang="en-US" dirty="0">
                 <a:solidFill>
                   <a:schemeClr val="bg1"/>
                 </a:solidFill>
@@ -25894,7 +25505,7 @@
               <a:t>, </a:t>
             </a:r>
             <a:r>
-              <a:rPr lang="el-GR" dirty="0" smtClean="0">
+              <a:rPr lang="el-GR" dirty="0">
                 <a:solidFill>
                   <a:schemeClr val="bg1"/>
                 </a:solidFill>
@@ -25904,7 +25515,7 @@
               <a:t>λ</a:t>
             </a:r>
             <a:r>
-              <a:rPr lang="en-US" dirty="0" smtClean="0">
+              <a:rPr lang="en-US" dirty="0">
                 <a:solidFill>
                   <a:schemeClr val="bg1"/>
                 </a:solidFill>
@@ -25939,7 +25550,7 @@
           <a:lstStyle/>
           <a:p>
             <a:r>
-              <a:rPr lang="en-US" dirty="0" smtClean="0">
+              <a:rPr lang="en-US" dirty="0">
                 <a:solidFill>
                   <a:schemeClr val="bg1"/>
                 </a:solidFill>
@@ -25949,7 +25560,7 @@
               <a:t>70.7 </a:t>
             </a:r>
             <a:r>
-              <a:rPr lang="el-GR" dirty="0" smtClean="0">
+              <a:rPr lang="el-GR" dirty="0">
                 <a:solidFill>
                   <a:schemeClr val="bg1"/>
                 </a:solidFill>
@@ -25959,7 +25570,7 @@
               <a:t>Ω</a:t>
             </a:r>
             <a:r>
-              <a:rPr lang="en-US" dirty="0" smtClean="0">
+              <a:rPr lang="en-US" dirty="0">
                 <a:solidFill>
                   <a:schemeClr val="bg1"/>
                 </a:solidFill>
@@ -25969,7 +25580,7 @@
               <a:t>, </a:t>
             </a:r>
             <a:r>
-              <a:rPr lang="el-GR" dirty="0" smtClean="0">
+              <a:rPr lang="el-GR" dirty="0">
                 <a:solidFill>
                   <a:schemeClr val="bg1"/>
                 </a:solidFill>
@@ -25979,7 +25590,7 @@
               <a:t>λ</a:t>
             </a:r>
             <a:r>
-              <a:rPr lang="en-US" dirty="0" smtClean="0">
+              <a:rPr lang="en-US" dirty="0">
                 <a:solidFill>
                   <a:schemeClr val="bg1"/>
                 </a:solidFill>
@@ -26309,7 +25920,7 @@
           <a:lstStyle/>
           <a:p>
             <a:r>
-              <a:rPr lang="en-US" dirty="0" smtClean="0">
+              <a:rPr lang="en-US" dirty="0">
                 <a:solidFill>
                   <a:schemeClr val="bg1"/>
                 </a:solidFill>
@@ -26319,7 +25930,7 @@
               <a:t>100 </a:t>
             </a:r>
             <a:r>
-              <a:rPr lang="el-GR" dirty="0" smtClean="0">
+              <a:rPr lang="el-GR" dirty="0">
                 <a:solidFill>
                   <a:schemeClr val="bg1"/>
                 </a:solidFill>
@@ -26328,7 +25939,7 @@
               </a:rPr>
               <a:t>Ω</a:t>
             </a:r>
-            <a:endParaRPr lang="en-US" dirty="0" smtClean="0">
+            <a:endParaRPr lang="en-US" dirty="0">
               <a:solidFill>
                 <a:schemeClr val="bg1"/>
               </a:solidFill>
@@ -26400,7 +26011,7 @@
           <a:lstStyle/>
           <a:p>
             <a:r>
-              <a:rPr lang="en-US" sz="1800" dirty="0" smtClean="0">
+              <a:rPr lang="en-US" sz="1800" dirty="0">
                 <a:solidFill>
                   <a:srgbClr val="292929"/>
                 </a:solidFill>
@@ -26410,7 +26021,7 @@
               <a:t>Example: 16-element </a:t>
             </a:r>
             <a:r>
-              <a:rPr lang="en-US" sz="1800" dirty="0" err="1" smtClean="0">
+              <a:rPr lang="en-US" sz="1800" dirty="0" err="1">
                 <a:solidFill>
                   <a:srgbClr val="292929"/>
                 </a:solidFill>
@@ -26420,7 +26031,7 @@
               <a:t>microstrip</a:t>
             </a:r>
             <a:r>
-              <a:rPr lang="en-US" sz="1800" dirty="0" smtClean="0">
+              <a:rPr lang="en-US" sz="1800" dirty="0">
                 <a:solidFill>
                   <a:srgbClr val="292929"/>
                 </a:solidFill>
@@ -26581,15 +26192,15 @@
           <a:lstStyle/>
           <a:p>
             <a:r>
-              <a:rPr lang="en-US" dirty="0" smtClean="0"/>
+              <a:rPr lang="en-US" dirty="0"/>
               <a:t>But a (most of the time) </a:t>
             </a:r>
             <a:r>
-              <a:rPr lang="en-US" dirty="0" err="1" smtClean="0"/>
+              <a:rPr lang="en-US" dirty="0" err="1"/>
               <a:t>lossy</a:t>
             </a:r>
             <a:r>
-              <a:rPr lang="en-US" dirty="0" smtClean="0"/>
+              <a:rPr lang="en-US" dirty="0"/>
               <a:t> combiner</a:t>
             </a:r>
           </a:p>
@@ -26645,7 +26256,7 @@
               <a:buNone/>
               <a:tabLst/>
             </a:pPr>
-            <a:endParaRPr kumimoji="0" lang="en-US" sz="2400" b="0" i="0" u="none" strike="noStrike" cap="none" normalizeH="0" baseline="0" smtClean="0">
+            <a:endParaRPr kumimoji="0" lang="en-US" sz="2400" b="0" i="0" u="none" strike="noStrike" cap="none" normalizeH="0" baseline="0">
               <a:ln>
                 <a:noFill/>
               </a:ln>
@@ -27685,7 +27296,7 @@
           <a:lstStyle/>
           <a:p>
             <a:r>
-              <a:rPr lang="en-US" dirty="0" smtClean="0">
+              <a:rPr lang="en-US" dirty="0">
                 <a:solidFill>
                   <a:srgbClr val="000000"/>
                 </a:solidFill>
@@ -27695,7 +27306,7 @@
               <a:t>50 </a:t>
             </a:r>
             <a:r>
-              <a:rPr lang="el-GR" dirty="0" smtClean="0">
+              <a:rPr lang="el-GR" dirty="0">
                 <a:solidFill>
                   <a:srgbClr val="000000"/>
                 </a:solidFill>
@@ -27704,7 +27315,7 @@
               </a:rPr>
               <a:t>Ω</a:t>
             </a:r>
-            <a:endParaRPr lang="en-US" dirty="0" smtClean="0">
+            <a:endParaRPr lang="en-US" dirty="0">
               <a:solidFill>
                 <a:srgbClr val="000000"/>
               </a:solidFill>
@@ -27737,7 +27348,7 @@
           <a:lstStyle/>
           <a:p>
             <a:r>
-              <a:rPr lang="en-US" dirty="0" smtClean="0">
+              <a:rPr lang="en-US" dirty="0">
                 <a:solidFill>
                   <a:srgbClr val="000000"/>
                 </a:solidFill>
@@ -27747,7 +27358,7 @@
               <a:t>50 </a:t>
             </a:r>
             <a:r>
-              <a:rPr lang="el-GR" dirty="0" smtClean="0">
+              <a:rPr lang="el-GR" dirty="0">
                 <a:solidFill>
                   <a:srgbClr val="000000"/>
                 </a:solidFill>
@@ -27756,7 +27367,7 @@
               </a:rPr>
               <a:t>Ω</a:t>
             </a:r>
-            <a:endParaRPr lang="en-US" dirty="0" smtClean="0">
+            <a:endParaRPr lang="en-US" dirty="0">
               <a:solidFill>
                 <a:srgbClr val="000000"/>
               </a:solidFill>
@@ -27796,20 +27407,10 @@
                 <a:latin typeface="Times" panose="02020603050405020304" pitchFamily="18" charset="0"/>
                 <a:cs typeface="Times" panose="02020603050405020304" pitchFamily="18" charset="0"/>
               </a:rPr>
-              <a:t>5</a:t>
-            </a:r>
-            <a:r>
-              <a:rPr lang="en-US" dirty="0" smtClean="0">
-                <a:solidFill>
-                  <a:srgbClr val="000000"/>
-                </a:solidFill>
-                <a:latin typeface="Times" panose="02020603050405020304" pitchFamily="18" charset="0"/>
-                <a:cs typeface="Times" panose="02020603050405020304" pitchFamily="18" charset="0"/>
-              </a:rPr>
-              <a:t>0 </a:t>
-            </a:r>
-            <a:r>
-              <a:rPr lang="el-GR" dirty="0" smtClean="0">
+              <a:t>50 </a:t>
+            </a:r>
+            <a:r>
+              <a:rPr lang="el-GR" dirty="0">
                 <a:solidFill>
                   <a:srgbClr val="000000"/>
                 </a:solidFill>
@@ -27818,7 +27419,7 @@
               </a:rPr>
               <a:t>Ω</a:t>
             </a:r>
-            <a:endParaRPr lang="en-US" dirty="0" smtClean="0">
+            <a:endParaRPr lang="en-US" dirty="0">
               <a:solidFill>
                 <a:srgbClr val="000000"/>
               </a:solidFill>
@@ -27851,7 +27452,7 @@
           <a:lstStyle/>
           <a:p>
             <a:r>
-              <a:rPr lang="en-US" sz="3000" i="1" dirty="0" smtClean="0">
+              <a:rPr lang="en-US" sz="3000" i="1" dirty="0">
                 <a:solidFill>
                   <a:schemeClr val="bg1"/>
                 </a:solidFill>
@@ -27861,7 +27462,7 @@
               <a:t>P</a:t>
             </a:r>
             <a:r>
-              <a:rPr lang="en-US" sz="3000" i="1" baseline="-25000" dirty="0" smtClean="0">
+              <a:rPr lang="en-US" sz="3000" i="1" baseline="-25000" dirty="0">
                 <a:solidFill>
                   <a:schemeClr val="bg1"/>
                 </a:solidFill>
@@ -27999,7 +27600,7 @@
               <a:buNone/>
               <a:tabLst/>
             </a:pPr>
-            <a:endParaRPr kumimoji="0" lang="en-US" sz="2400" b="0" i="0" u="none" strike="noStrike" cap="none" normalizeH="0" baseline="0" smtClean="0">
+            <a:endParaRPr kumimoji="0" lang="en-US" sz="2400" b="0" i="0" u="none" strike="noStrike" cap="none" normalizeH="0" baseline="0">
               <a:ln>
                 <a:noFill/>
               </a:ln>
@@ -28062,7 +27663,7 @@
               <a:buNone/>
               <a:tabLst/>
             </a:pPr>
-            <a:endParaRPr kumimoji="0" lang="en-US" sz="2400" b="0" i="0" u="none" strike="noStrike" cap="none" normalizeH="0" baseline="0" smtClean="0">
+            <a:endParaRPr kumimoji="0" lang="en-US" sz="2400" b="0" i="0" u="none" strike="noStrike" cap="none" normalizeH="0" baseline="0">
               <a:ln>
                 <a:noFill/>
               </a:ln>
@@ -28098,7 +27699,7 @@
           <a:lstStyle/>
           <a:p>
             <a:r>
-              <a:rPr lang="en-US" dirty="0" smtClean="0">
+              <a:rPr lang="en-US" dirty="0">
                 <a:solidFill>
                   <a:schemeClr val="bg1"/>
                 </a:solidFill>
@@ -28108,7 +27709,7 @@
               <a:t>70.7 </a:t>
             </a:r>
             <a:r>
-              <a:rPr lang="el-GR" dirty="0" smtClean="0">
+              <a:rPr lang="el-GR" dirty="0">
                 <a:solidFill>
                   <a:schemeClr val="bg1"/>
                 </a:solidFill>
@@ -28118,7 +27719,7 @@
               <a:t>Ω</a:t>
             </a:r>
             <a:r>
-              <a:rPr lang="en-US" dirty="0" smtClean="0">
+              <a:rPr lang="en-US" dirty="0">
                 <a:solidFill>
                   <a:schemeClr val="bg1"/>
                 </a:solidFill>
@@ -28128,7 +27729,7 @@
               <a:t>, </a:t>
             </a:r>
             <a:r>
-              <a:rPr lang="el-GR" dirty="0" smtClean="0">
+              <a:rPr lang="el-GR" dirty="0">
                 <a:solidFill>
                   <a:schemeClr val="bg1"/>
                 </a:solidFill>
@@ -28138,7 +27739,7 @@
               <a:t>λ</a:t>
             </a:r>
             <a:r>
-              <a:rPr lang="en-US" dirty="0" smtClean="0">
+              <a:rPr lang="en-US" dirty="0">
                 <a:solidFill>
                   <a:schemeClr val="bg1"/>
                 </a:solidFill>
@@ -28173,7 +27774,7 @@
           <a:lstStyle/>
           <a:p>
             <a:r>
-              <a:rPr lang="en-US" dirty="0" smtClean="0">
+              <a:rPr lang="en-US" dirty="0">
                 <a:solidFill>
                   <a:schemeClr val="bg1"/>
                 </a:solidFill>
@@ -28183,7 +27784,7 @@
               <a:t>70.7 </a:t>
             </a:r>
             <a:r>
-              <a:rPr lang="el-GR" dirty="0" smtClean="0">
+              <a:rPr lang="el-GR" dirty="0">
                 <a:solidFill>
                   <a:schemeClr val="bg1"/>
                 </a:solidFill>
@@ -28193,7 +27794,7 @@
               <a:t>Ω</a:t>
             </a:r>
             <a:r>
-              <a:rPr lang="en-US" dirty="0" smtClean="0">
+              <a:rPr lang="en-US" dirty="0">
                 <a:solidFill>
                   <a:schemeClr val="bg1"/>
                 </a:solidFill>
@@ -28203,7 +27804,7 @@
               <a:t>, </a:t>
             </a:r>
             <a:r>
-              <a:rPr lang="el-GR" dirty="0" smtClean="0">
+              <a:rPr lang="el-GR" dirty="0">
                 <a:solidFill>
                   <a:schemeClr val="bg1"/>
                 </a:solidFill>
@@ -28213,7 +27814,7 @@
               <a:t>λ</a:t>
             </a:r>
             <a:r>
-              <a:rPr lang="en-US" dirty="0" smtClean="0">
+              <a:rPr lang="en-US" dirty="0">
                 <a:solidFill>
                   <a:schemeClr val="bg1"/>
                 </a:solidFill>
@@ -28543,7 +28144,7 @@
           <a:lstStyle/>
           <a:p>
             <a:r>
-              <a:rPr lang="en-US" dirty="0" smtClean="0">
+              <a:rPr lang="en-US" dirty="0">
                 <a:solidFill>
                   <a:schemeClr val="bg1"/>
                 </a:solidFill>
@@ -28553,7 +28154,7 @@
               <a:t>100 </a:t>
             </a:r>
             <a:r>
-              <a:rPr lang="el-GR" dirty="0" smtClean="0">
+              <a:rPr lang="el-GR" dirty="0">
                 <a:solidFill>
                   <a:schemeClr val="bg1"/>
                 </a:solidFill>
@@ -28562,7 +28163,7 @@
               </a:rPr>
               <a:t>Ω</a:t>
             </a:r>
-            <a:endParaRPr lang="en-US" dirty="0" smtClean="0">
+            <a:endParaRPr lang="en-US" dirty="0">
               <a:solidFill>
                 <a:schemeClr val="bg1"/>
               </a:solidFill>
@@ -29076,7 +28677,7 @@
           <a:lstStyle/>
           <a:p>
             <a:r>
-              <a:rPr lang="en-US" sz="3000" i="1" dirty="0" smtClean="0">
+              <a:rPr lang="en-US" sz="3000" i="1" dirty="0">
                 <a:solidFill>
                   <a:schemeClr val="bg1"/>
                 </a:solidFill>
@@ -29263,20 +28864,10 @@
                 <a:latin typeface="Times" panose="02020603050405020304" pitchFamily="18" charset="0"/>
                 <a:cs typeface="Times" panose="02020603050405020304" pitchFamily="18" charset="0"/>
               </a:rPr>
-              <a:t>5</a:t>
-            </a:r>
-            <a:r>
-              <a:rPr lang="en-US" dirty="0" smtClean="0">
-                <a:solidFill>
-                  <a:srgbClr val="000000"/>
-                </a:solidFill>
-                <a:latin typeface="Times" panose="02020603050405020304" pitchFamily="18" charset="0"/>
-                <a:cs typeface="Times" panose="02020603050405020304" pitchFamily="18" charset="0"/>
-              </a:rPr>
-              <a:t>0 </a:t>
-            </a:r>
-            <a:r>
-              <a:rPr lang="el-GR" dirty="0" smtClean="0">
+              <a:t>50 </a:t>
+            </a:r>
+            <a:r>
+              <a:rPr lang="el-GR" dirty="0">
                 <a:solidFill>
                   <a:srgbClr val="000000"/>
                 </a:solidFill>
@@ -29285,7 +28876,7 @@
               </a:rPr>
               <a:t>Ω</a:t>
             </a:r>
-            <a:endParaRPr lang="en-US" dirty="0" smtClean="0">
+            <a:endParaRPr lang="en-US" dirty="0">
               <a:solidFill>
                 <a:srgbClr val="000000"/>
               </a:solidFill>
@@ -29305,13 +28896,6 @@
   <p:clrMapOvr>
     <a:masterClrMapping/>
   </p:clrMapOvr>
-  <p:timing>
-    <p:tnLst>
-      <p:par>
-        <p:cTn id="1" dur="indefinite" restart="never" nodeType="tmRoot"/>
-      </p:par>
-    </p:tnLst>
-  </p:timing>
 </p:sld>
 </file>
 
@@ -29370,23 +28954,23 @@
           <a:lstStyle/>
           <a:p>
             <a:r>
-              <a:rPr lang="en-US" dirty="0" smtClean="0"/>
+              <a:rPr lang="en-US" dirty="0"/>
               <a:t>Only lossless when P</a:t>
             </a:r>
             <a:r>
-              <a:rPr lang="en-US" baseline="-25000" dirty="0" smtClean="0"/>
+              <a:rPr lang="en-US" baseline="-25000" dirty="0"/>
               <a:t>in1</a:t>
             </a:r>
             <a:r>
-              <a:rPr lang="en-US" dirty="0" smtClean="0"/>
+              <a:rPr lang="en-US" dirty="0"/>
               <a:t> and P</a:t>
             </a:r>
             <a:r>
-              <a:rPr lang="en-US" baseline="-25000" dirty="0" smtClean="0"/>
+              <a:rPr lang="en-US" baseline="-25000" dirty="0"/>
               <a:t>in2</a:t>
             </a:r>
             <a:r>
-              <a:rPr lang="en-US" dirty="0" smtClean="0"/>
+              <a:rPr lang="en-US" dirty="0"/>
               <a:t> are coherent and in-phase</a:t>
             </a:r>
           </a:p>
@@ -29442,7 +29026,7 @@
               <a:buNone/>
               <a:tabLst/>
             </a:pPr>
-            <a:endParaRPr kumimoji="0" lang="en-US" sz="2400" b="0" i="0" u="none" strike="noStrike" cap="none" normalizeH="0" baseline="0" smtClean="0">
+            <a:endParaRPr kumimoji="0" lang="en-US" sz="2400" b="0" i="0" u="none" strike="noStrike" cap="none" normalizeH="0" baseline="0">
               <a:ln>
                 <a:noFill/>
               </a:ln>
@@ -30337,7 +29921,7 @@
           <a:lstStyle/>
           <a:p>
             <a:r>
-              <a:rPr lang="en-US" dirty="0" smtClean="0">
+              <a:rPr lang="en-US" dirty="0">
                 <a:solidFill>
                   <a:srgbClr val="000000"/>
                 </a:solidFill>
@@ -30347,7 +29931,7 @@
               <a:t>50 </a:t>
             </a:r>
             <a:r>
-              <a:rPr lang="el-GR" dirty="0" smtClean="0">
+              <a:rPr lang="el-GR" dirty="0">
                 <a:solidFill>
                   <a:srgbClr val="000000"/>
                 </a:solidFill>
@@ -30356,7 +29940,7 @@
               </a:rPr>
               <a:t>Ω</a:t>
             </a:r>
-            <a:endParaRPr lang="en-US" dirty="0" smtClean="0">
+            <a:endParaRPr lang="en-US" dirty="0">
               <a:solidFill>
                 <a:srgbClr val="000000"/>
               </a:solidFill>
@@ -30389,7 +29973,7 @@
           <a:lstStyle/>
           <a:p>
             <a:r>
-              <a:rPr lang="en-US" dirty="0" smtClean="0">
+              <a:rPr lang="en-US" dirty="0">
                 <a:solidFill>
                   <a:srgbClr val="000000"/>
                 </a:solidFill>
@@ -30399,7 +29983,7 @@
               <a:t>50 </a:t>
             </a:r>
             <a:r>
-              <a:rPr lang="el-GR" dirty="0" smtClean="0">
+              <a:rPr lang="el-GR" dirty="0">
                 <a:solidFill>
                   <a:srgbClr val="000000"/>
                 </a:solidFill>
@@ -30408,7 +29992,7 @@
               </a:rPr>
               <a:t>Ω</a:t>
             </a:r>
-            <a:endParaRPr lang="en-US" dirty="0" smtClean="0">
+            <a:endParaRPr lang="en-US" dirty="0">
               <a:solidFill>
                 <a:srgbClr val="000000"/>
               </a:solidFill>
@@ -30441,7 +30025,7 @@
           <a:lstStyle/>
           <a:p>
             <a:r>
-              <a:rPr lang="en-US" sz="3000" i="1" dirty="0" smtClean="0">
+              <a:rPr lang="en-US" sz="3000" i="1" dirty="0">
                 <a:solidFill>
                   <a:schemeClr val="bg1"/>
                 </a:solidFill>
@@ -30451,7 +30035,7 @@
               <a:t>P</a:t>
             </a:r>
             <a:r>
-              <a:rPr lang="en-US" sz="3000" i="1" baseline="-25000" dirty="0" smtClean="0">
+              <a:rPr lang="en-US" sz="3000" i="1" baseline="-25000" dirty="0">
                 <a:solidFill>
                   <a:schemeClr val="bg1"/>
                 </a:solidFill>
@@ -30587,7 +30171,7 @@
               <a:buNone/>
               <a:tabLst/>
             </a:pPr>
-            <a:endParaRPr kumimoji="0" lang="en-US" sz="2400" b="0" i="0" u="none" strike="noStrike" cap="none" normalizeH="0" baseline="0" smtClean="0">
+            <a:endParaRPr kumimoji="0" lang="en-US" sz="2400" b="0" i="0" u="none" strike="noStrike" cap="none" normalizeH="0" baseline="0">
               <a:ln>
                 <a:noFill/>
               </a:ln>
@@ -30650,7 +30234,7 @@
               <a:buNone/>
               <a:tabLst/>
             </a:pPr>
-            <a:endParaRPr kumimoji="0" lang="en-US" sz="2400" b="0" i="0" u="none" strike="noStrike" cap="none" normalizeH="0" baseline="0" smtClean="0">
+            <a:endParaRPr kumimoji="0" lang="en-US" sz="2400" b="0" i="0" u="none" strike="noStrike" cap="none" normalizeH="0" baseline="0">
               <a:ln>
                 <a:noFill/>
               </a:ln>
@@ -30686,7 +30270,7 @@
           <a:lstStyle/>
           <a:p>
             <a:r>
-              <a:rPr lang="en-US" dirty="0" smtClean="0">
+              <a:rPr lang="en-US" dirty="0">
                 <a:solidFill>
                   <a:schemeClr val="bg1"/>
                 </a:solidFill>
@@ -30696,7 +30280,7 @@
               <a:t>70.7 </a:t>
             </a:r>
             <a:r>
-              <a:rPr lang="el-GR" dirty="0" smtClean="0">
+              <a:rPr lang="el-GR" dirty="0">
                 <a:solidFill>
                   <a:schemeClr val="bg1"/>
                 </a:solidFill>
@@ -30706,7 +30290,7 @@
               <a:t>Ω</a:t>
             </a:r>
             <a:r>
-              <a:rPr lang="en-US" dirty="0" smtClean="0">
+              <a:rPr lang="en-US" dirty="0">
                 <a:solidFill>
                   <a:schemeClr val="bg1"/>
                 </a:solidFill>
@@ -30716,7 +30300,7 @@
               <a:t>, </a:t>
             </a:r>
             <a:r>
-              <a:rPr lang="el-GR" dirty="0" smtClean="0">
+              <a:rPr lang="el-GR" dirty="0">
                 <a:solidFill>
                   <a:schemeClr val="bg1"/>
                 </a:solidFill>
@@ -30726,7 +30310,7 @@
               <a:t>λ</a:t>
             </a:r>
             <a:r>
-              <a:rPr lang="en-US" dirty="0" smtClean="0">
+              <a:rPr lang="en-US" dirty="0">
                 <a:solidFill>
                   <a:schemeClr val="bg1"/>
                 </a:solidFill>
@@ -30761,7 +30345,7 @@
           <a:lstStyle/>
           <a:p>
             <a:r>
-              <a:rPr lang="en-US" dirty="0" smtClean="0">
+              <a:rPr lang="en-US" dirty="0">
                 <a:solidFill>
                   <a:schemeClr val="bg1"/>
                 </a:solidFill>
@@ -30771,7 +30355,7 @@
               <a:t>70.7 </a:t>
             </a:r>
             <a:r>
-              <a:rPr lang="el-GR" dirty="0" smtClean="0">
+              <a:rPr lang="el-GR" dirty="0">
                 <a:solidFill>
                   <a:schemeClr val="bg1"/>
                 </a:solidFill>
@@ -30781,7 +30365,7 @@
               <a:t>Ω</a:t>
             </a:r>
             <a:r>
-              <a:rPr lang="en-US" dirty="0" smtClean="0">
+              <a:rPr lang="en-US" dirty="0">
                 <a:solidFill>
                   <a:schemeClr val="bg1"/>
                 </a:solidFill>
@@ -30791,7 +30375,7 @@
               <a:t>, </a:t>
             </a:r>
             <a:r>
-              <a:rPr lang="el-GR" dirty="0" smtClean="0">
+              <a:rPr lang="el-GR" dirty="0">
                 <a:solidFill>
                   <a:schemeClr val="bg1"/>
                 </a:solidFill>
@@ -30801,7 +30385,7 @@
               <a:t>λ</a:t>
             </a:r>
             <a:r>
-              <a:rPr lang="en-US" dirty="0" smtClean="0">
+              <a:rPr lang="en-US" dirty="0">
                 <a:solidFill>
                   <a:schemeClr val="bg1"/>
                 </a:solidFill>
@@ -31131,7 +30715,7 @@
           <a:lstStyle/>
           <a:p>
             <a:r>
-              <a:rPr lang="en-US" dirty="0" smtClean="0">
+              <a:rPr lang="en-US" dirty="0">
                 <a:solidFill>
                   <a:schemeClr val="bg1"/>
                 </a:solidFill>
@@ -31141,7 +30725,7 @@
               <a:t>100 </a:t>
             </a:r>
             <a:r>
-              <a:rPr lang="el-GR" dirty="0" smtClean="0">
+              <a:rPr lang="el-GR" dirty="0">
                 <a:solidFill>
                   <a:schemeClr val="bg1"/>
                 </a:solidFill>
@@ -31150,7 +30734,7 @@
               </a:rPr>
               <a:t>Ω</a:t>
             </a:r>
-            <a:endParaRPr lang="en-US" dirty="0" smtClean="0">
+            <a:endParaRPr lang="en-US" dirty="0">
               <a:solidFill>
                 <a:schemeClr val="bg1"/>
               </a:solidFill>
@@ -31664,7 +31248,7 @@
           <a:lstStyle/>
           <a:p>
             <a:r>
-              <a:rPr lang="en-US" sz="3000" i="1" dirty="0" smtClean="0">
+              <a:rPr lang="en-US" sz="3000" i="1" dirty="0">
                 <a:solidFill>
                   <a:schemeClr val="bg1"/>
                 </a:solidFill>
@@ -32141,7 +31725,7 @@
           <a:lstStyle/>
           <a:p>
             <a:r>
-              <a:rPr lang="en-US" sz="3000" i="1" dirty="0" smtClean="0">
+              <a:rPr lang="en-US" sz="3000" i="1" dirty="0">
                 <a:solidFill>
                   <a:schemeClr val="bg1"/>
                 </a:solidFill>
@@ -32151,7 +31735,7 @@
               <a:t>P</a:t>
             </a:r>
             <a:r>
-              <a:rPr lang="en-US" sz="3000" i="1" baseline="-25000" dirty="0" smtClean="0">
+              <a:rPr lang="en-US" sz="3000" i="1" baseline="-25000" dirty="0">
                 <a:solidFill>
                   <a:schemeClr val="bg1"/>
                 </a:solidFill>
@@ -32173,13 +31757,6 @@
   <p:clrMapOvr>
     <a:masterClrMapping/>
   </p:clrMapOvr>
-  <p:timing>
-    <p:tnLst>
-      <p:par>
-        <p:cTn id="1" dur="indefinite" restart="never" nodeType="tmRoot"/>
-      </p:par>
-    </p:tnLst>
-  </p:timing>
 </p:sld>
 </file>
 
@@ -32216,10 +31793,9 @@
           <a:lstStyle/>
           <a:p>
             <a:r>
-              <a:rPr lang="en-US" dirty="0" smtClean="0"/>
+              <a:rPr lang="en-US" dirty="0"/>
               <a:t>3-dB Hybrid (3-dB Coupler)</a:t>
             </a:r>
-            <a:endParaRPr lang="en-US" dirty="0"/>
           </a:p>
         </p:txBody>
       </p:sp>
@@ -32239,21 +31815,21 @@
           <a:lstStyle/>
           <a:p>
             <a:r>
-              <a:rPr lang="en-US" dirty="0" smtClean="0"/>
+              <a:rPr lang="en-US" dirty="0"/>
               <a:t>Another way to split high frequency power is to use a hybrid</a:t>
             </a:r>
           </a:p>
           <a:p>
             <a:pPr lvl="1"/>
             <a:r>
-              <a:rPr lang="en-US" dirty="0" smtClean="0"/>
+              <a:rPr lang="en-US" dirty="0"/>
               <a:t>The two outputs of a Wilkinson power divider are in phase</a:t>
             </a:r>
           </a:p>
           <a:p>
             <a:pPr lvl="1"/>
             <a:r>
-              <a:rPr lang="en-US" dirty="0" smtClean="0"/>
+              <a:rPr lang="en-US" dirty="0"/>
               <a:t>A 3-dB hybrid splits power with a phase difference</a:t>
             </a:r>
           </a:p>
@@ -32308,13 +31884,6 @@
   <p:clrMapOvr>
     <a:masterClrMapping/>
   </p:clrMapOvr>
-  <p:timing>
-    <p:tnLst>
-      <p:par>
-        <p:cTn id="1" dur="indefinite" restart="never" nodeType="tmRoot"/>
-      </p:par>
-    </p:tnLst>
-  </p:timing>
 </p:sld>
 </file>
 
